--- a/Semana 3.pptx
+++ b/Semana 3.pptx
@@ -302,7 +302,7 @@
           <a:p>
             <a:fld id="{80FF1464-75BB-4125-B2AF-EE9611B5FB25}" type="datetimeFigureOut">
               <a:rPr lang="en-US" smtClean="0"/>
-              <a:t>9/30/2016</a:t>
+              <a:t>10/1/2016</a:t>
             </a:fld>
             <a:endParaRPr lang="en-US"/>
           </a:p>
@@ -502,7 +502,7 @@
           <a:p>
             <a:fld id="{80FF1464-75BB-4125-B2AF-EE9611B5FB25}" type="datetimeFigureOut">
               <a:rPr lang="en-US" smtClean="0"/>
-              <a:t>9/30/2016</a:t>
+              <a:t>10/1/2016</a:t>
             </a:fld>
             <a:endParaRPr lang="en-US"/>
           </a:p>
@@ -677,7 +677,7 @@
           <a:p>
             <a:fld id="{80FF1464-75BB-4125-B2AF-EE9611B5FB25}" type="datetimeFigureOut">
               <a:rPr lang="en-US" smtClean="0"/>
-              <a:t>9/30/2016</a:t>
+              <a:t>10/1/2016</a:t>
             </a:fld>
             <a:endParaRPr lang="en-US"/>
           </a:p>
@@ -842,7 +842,7 @@
           <a:p>
             <a:fld id="{80FF1464-75BB-4125-B2AF-EE9611B5FB25}" type="datetimeFigureOut">
               <a:rPr lang="en-US" smtClean="0"/>
-              <a:t>9/30/2016</a:t>
+              <a:t>10/1/2016</a:t>
             </a:fld>
             <a:endParaRPr lang="en-US"/>
           </a:p>
@@ -1090,7 +1090,7 @@
           <a:p>
             <a:fld id="{80FF1464-75BB-4125-B2AF-EE9611B5FB25}" type="datetimeFigureOut">
               <a:rPr lang="en-US" smtClean="0"/>
-              <a:t>9/30/2016</a:t>
+              <a:t>10/1/2016</a:t>
             </a:fld>
             <a:endParaRPr lang="en-US"/>
           </a:p>
@@ -1408,7 +1408,7 @@
           <a:p>
             <a:fld id="{80FF1464-75BB-4125-B2AF-EE9611B5FB25}" type="datetimeFigureOut">
               <a:rPr lang="en-US" smtClean="0"/>
-              <a:t>9/30/2016</a:t>
+              <a:t>10/1/2016</a:t>
             </a:fld>
             <a:endParaRPr lang="en-US"/>
           </a:p>
@@ -1874,7 +1874,7 @@
           <a:p>
             <a:fld id="{80FF1464-75BB-4125-B2AF-EE9611B5FB25}" type="datetimeFigureOut">
               <a:rPr lang="en-US" smtClean="0"/>
-              <a:t>9/30/2016</a:t>
+              <a:t>10/1/2016</a:t>
             </a:fld>
             <a:endParaRPr lang="en-US"/>
           </a:p>
@@ -2022,7 +2022,7 @@
           <a:p>
             <a:fld id="{80FF1464-75BB-4125-B2AF-EE9611B5FB25}" type="datetimeFigureOut">
               <a:rPr lang="en-US" smtClean="0"/>
-              <a:t>9/30/2016</a:t>
+              <a:t>10/1/2016</a:t>
             </a:fld>
             <a:endParaRPr lang="en-US"/>
           </a:p>
@@ -2112,7 +2112,7 @@
           <a:p>
             <a:fld id="{80FF1464-75BB-4125-B2AF-EE9611B5FB25}" type="datetimeFigureOut">
               <a:rPr lang="en-US" smtClean="0"/>
-              <a:t>9/30/2016</a:t>
+              <a:t>10/1/2016</a:t>
             </a:fld>
             <a:endParaRPr lang="en-US"/>
           </a:p>
@@ -2386,7 +2386,7 @@
           <a:p>
             <a:fld id="{80FF1464-75BB-4125-B2AF-EE9611B5FB25}" type="datetimeFigureOut">
               <a:rPr lang="en-US" smtClean="0"/>
-              <a:t>9/30/2016</a:t>
+              <a:t>10/1/2016</a:t>
             </a:fld>
             <a:endParaRPr lang="en-US"/>
           </a:p>
@@ -2691,7 +2691,7 @@
           <a:p>
             <a:fld id="{80FF1464-75BB-4125-B2AF-EE9611B5FB25}" type="datetimeFigureOut">
               <a:rPr lang="en-US" smtClean="0"/>
-              <a:t>9/30/2016</a:t>
+              <a:t>10/1/2016</a:t>
             </a:fld>
             <a:endParaRPr lang="en-US"/>
           </a:p>
@@ -2989,7 +2989,7 @@
           <a:p>
             <a:fld id="{80FF1464-75BB-4125-B2AF-EE9611B5FB25}" type="datetimeFigureOut">
               <a:rPr lang="en-US" smtClean="0"/>
-              <a:t>9/30/2016</a:t>
+              <a:t>10/1/2016</a:t>
             </a:fld>
             <a:endParaRPr lang="en-US"/>
           </a:p>
@@ -3407,11 +3407,7 @@
             </a:r>
             <a:r>
               <a:rPr lang="en-US" dirty="0" smtClean="0"/>
-              <a:t> </a:t>
-            </a:r>
-            <a:r>
-              <a:rPr lang="en-US" dirty="0" smtClean="0"/>
-              <a:t>3</a:t>
+              <a:t> 3</a:t>
             </a:r>
             <a:endParaRPr lang="en-US" dirty="0"/>
           </a:p>
@@ -3626,7 +3622,6 @@
               <a:rPr lang="en-US" dirty="0" smtClean="0"/>
               <a:t>Intro a CSS</a:t>
             </a:r>
-            <a:endParaRPr lang="en-US" dirty="0" smtClean="0"/>
           </a:p>
         </p:txBody>
       </p:sp>
@@ -4703,6 +4698,21 @@
             </a:r>
             <a:r>
               <a:rPr lang="en-US" dirty="0" smtClean="0"/>
+              <a:t>&lt;/</a:t>
+            </a:r>
+            <a:r>
+              <a:rPr lang="en-US" dirty="0" err="1" smtClean="0"/>
+              <a:t>th</a:t>
+            </a:r>
+            <a:r>
+              <a:rPr lang="en-US" dirty="0" smtClean="0"/>
+              <a:t>&gt;</a:t>
+            </a:r>
+          </a:p>
+          <a:p>
+            <a:pPr lvl="2"/>
+            <a:r>
+              <a:rPr lang="en-US" dirty="0" smtClean="0"/>
               <a:t>&lt;</a:t>
             </a:r>
             <a:r>
@@ -4713,28 +4723,13 @@
               <a:rPr lang="en-US" dirty="0" smtClean="0"/>
               <a:t>&gt;</a:t>
             </a:r>
-          </a:p>
-          <a:p>
-            <a:pPr lvl="2"/>
-            <a:r>
-              <a:rPr lang="en-US" dirty="0" smtClean="0"/>
-              <a:t>&lt;</a:t>
-            </a:r>
-            <a:r>
-              <a:rPr lang="en-US" dirty="0" err="1" smtClean="0"/>
-              <a:t>th</a:t>
-            </a:r>
-            <a:r>
-              <a:rPr lang="en-US" dirty="0" smtClean="0"/>
-              <a:t>&gt;</a:t>
-            </a:r>
             <a:r>
               <a:rPr lang="en-US" dirty="0" err="1" smtClean="0"/>
               <a:t>Apellido</a:t>
             </a:r>
             <a:r>
               <a:rPr lang="en-US" dirty="0" smtClean="0"/>
-              <a:t>&lt;</a:t>
+              <a:t>&lt;/</a:t>
             </a:r>
             <a:r>
               <a:rPr lang="en-US" dirty="0" err="1" smtClean="0"/>
@@ -4769,7 +4764,7 @@
             </a:r>
             <a:r>
               <a:rPr lang="en-US" dirty="0" smtClean="0"/>
-              <a:t>&lt;</a:t>
+              <a:t>&lt;/</a:t>
             </a:r>
             <a:r>
               <a:rPr lang="en-US" dirty="0" err="1" smtClean="0"/>

--- a/Semana 3.pptx
+++ b/Semana 3.pptx
@@ -7,12 +7,20 @@
   <p:sldIdLst>
     <p:sldId id="256" r:id="rId2"/>
     <p:sldId id="257" r:id="rId3"/>
-    <p:sldId id="258" r:id="rId4"/>
-    <p:sldId id="260" r:id="rId5"/>
+    <p:sldId id="260" r:id="rId4"/>
+    <p:sldId id="268" r:id="rId5"/>
     <p:sldId id="259" r:id="rId6"/>
     <p:sldId id="265" r:id="rId7"/>
     <p:sldId id="266" r:id="rId8"/>
     <p:sldId id="267" r:id="rId9"/>
+    <p:sldId id="269" r:id="rId10"/>
+    <p:sldId id="270" r:id="rId11"/>
+    <p:sldId id="271" r:id="rId12"/>
+    <p:sldId id="272" r:id="rId13"/>
+    <p:sldId id="273" r:id="rId14"/>
+    <p:sldId id="274" r:id="rId15"/>
+    <p:sldId id="275" r:id="rId16"/>
+    <p:sldId id="276" r:id="rId17"/>
   </p:sldIdLst>
   <p:sldSz cx="9144000" cy="6858000" type="screen4x3"/>
   <p:notesSz cx="6858000" cy="9144000"/>
@@ -302,7 +310,7 @@
           <a:p>
             <a:fld id="{80FF1464-75BB-4125-B2AF-EE9611B5FB25}" type="datetimeFigureOut">
               <a:rPr lang="en-US" smtClean="0"/>
-              <a:t>10/1/2016</a:t>
+              <a:t>1/23/2017</a:t>
             </a:fld>
             <a:endParaRPr lang="en-US"/>
           </a:p>
@@ -502,7 +510,7 @@
           <a:p>
             <a:fld id="{80FF1464-75BB-4125-B2AF-EE9611B5FB25}" type="datetimeFigureOut">
               <a:rPr lang="en-US" smtClean="0"/>
-              <a:t>10/1/2016</a:t>
+              <a:t>1/23/2017</a:t>
             </a:fld>
             <a:endParaRPr lang="en-US"/>
           </a:p>
@@ -677,7 +685,7 @@
           <a:p>
             <a:fld id="{80FF1464-75BB-4125-B2AF-EE9611B5FB25}" type="datetimeFigureOut">
               <a:rPr lang="en-US" smtClean="0"/>
-              <a:t>10/1/2016</a:t>
+              <a:t>1/23/2017</a:t>
             </a:fld>
             <a:endParaRPr lang="en-US"/>
           </a:p>
@@ -842,7 +850,7 @@
           <a:p>
             <a:fld id="{80FF1464-75BB-4125-B2AF-EE9611B5FB25}" type="datetimeFigureOut">
               <a:rPr lang="en-US" smtClean="0"/>
-              <a:t>10/1/2016</a:t>
+              <a:t>1/23/2017</a:t>
             </a:fld>
             <a:endParaRPr lang="en-US"/>
           </a:p>
@@ -1090,7 +1098,7 @@
           <a:p>
             <a:fld id="{80FF1464-75BB-4125-B2AF-EE9611B5FB25}" type="datetimeFigureOut">
               <a:rPr lang="en-US" smtClean="0"/>
-              <a:t>10/1/2016</a:t>
+              <a:t>1/23/2017</a:t>
             </a:fld>
             <a:endParaRPr lang="en-US"/>
           </a:p>
@@ -1408,7 +1416,7 @@
           <a:p>
             <a:fld id="{80FF1464-75BB-4125-B2AF-EE9611B5FB25}" type="datetimeFigureOut">
               <a:rPr lang="en-US" smtClean="0"/>
-              <a:t>10/1/2016</a:t>
+              <a:t>1/23/2017</a:t>
             </a:fld>
             <a:endParaRPr lang="en-US"/>
           </a:p>
@@ -1874,7 +1882,7 @@
           <a:p>
             <a:fld id="{80FF1464-75BB-4125-B2AF-EE9611B5FB25}" type="datetimeFigureOut">
               <a:rPr lang="en-US" smtClean="0"/>
-              <a:t>10/1/2016</a:t>
+              <a:t>1/23/2017</a:t>
             </a:fld>
             <a:endParaRPr lang="en-US"/>
           </a:p>
@@ -2022,7 +2030,7 @@
           <a:p>
             <a:fld id="{80FF1464-75BB-4125-B2AF-EE9611B5FB25}" type="datetimeFigureOut">
               <a:rPr lang="en-US" smtClean="0"/>
-              <a:t>10/1/2016</a:t>
+              <a:t>1/23/2017</a:t>
             </a:fld>
             <a:endParaRPr lang="en-US"/>
           </a:p>
@@ -2112,7 +2120,7 @@
           <a:p>
             <a:fld id="{80FF1464-75BB-4125-B2AF-EE9611B5FB25}" type="datetimeFigureOut">
               <a:rPr lang="en-US" smtClean="0"/>
-              <a:t>10/1/2016</a:t>
+              <a:t>1/23/2017</a:t>
             </a:fld>
             <a:endParaRPr lang="en-US"/>
           </a:p>
@@ -2386,7 +2394,7 @@
           <a:p>
             <a:fld id="{80FF1464-75BB-4125-B2AF-EE9611B5FB25}" type="datetimeFigureOut">
               <a:rPr lang="en-US" smtClean="0"/>
-              <a:t>10/1/2016</a:t>
+              <a:t>1/23/2017</a:t>
             </a:fld>
             <a:endParaRPr lang="en-US"/>
           </a:p>
@@ -2691,7 +2699,7 @@
           <a:p>
             <a:fld id="{80FF1464-75BB-4125-B2AF-EE9611B5FB25}" type="datetimeFigureOut">
               <a:rPr lang="en-US" smtClean="0"/>
-              <a:t>10/1/2016</a:t>
+              <a:t>1/23/2017</a:t>
             </a:fld>
             <a:endParaRPr lang="en-US"/>
           </a:p>
@@ -2989,7 +2997,7 @@
           <a:p>
             <a:fld id="{80FF1464-75BB-4125-B2AF-EE9611B5FB25}" type="datetimeFigureOut">
               <a:rPr lang="en-US" smtClean="0"/>
-              <a:t>10/1/2016</a:t>
+              <a:t>1/23/2017</a:t>
             </a:fld>
             <a:endParaRPr lang="en-US"/>
           </a:p>
@@ -3500,6 +3508,3945 @@
 </p:sld>
 </file>
 
+<file path=ppt/slides/slide10.xml><?xml version="1.0" encoding="utf-8"?>
+<p:sld xmlns:a="http://schemas.openxmlformats.org/drawingml/2006/main" xmlns:r="http://schemas.openxmlformats.org/officeDocument/2006/relationships" xmlns:p="http://schemas.openxmlformats.org/presentationml/2006/main">
+  <p:cSld>
+    <p:spTree>
+      <p:nvGrpSpPr>
+        <p:cNvPr id="1" name=""/>
+        <p:cNvGrpSpPr/>
+        <p:nvPr/>
+      </p:nvGrpSpPr>
+      <p:grpSpPr>
+        <a:xfrm>
+          <a:off x="0" y="0"/>
+          <a:ext cx="0" cy="0"/>
+          <a:chOff x="0" y="0"/>
+          <a:chExt cx="0" cy="0"/>
+        </a:xfrm>
+      </p:grpSpPr>
+      <p:sp>
+        <p:nvSpPr>
+          <p:cNvPr id="2" name="Title 1"/>
+          <p:cNvSpPr>
+            <a:spLocks noGrp="1"/>
+          </p:cNvSpPr>
+          <p:nvPr>
+            <p:ph type="title"/>
+          </p:nvPr>
+        </p:nvSpPr>
+        <p:spPr/>
+        <p:txBody>
+          <a:bodyPr/>
+          <a:lstStyle/>
+          <a:p>
+            <a:r>
+              <a:rPr lang="en-US" dirty="0" smtClean="0"/>
+              <a:t>CSS</a:t>
+            </a:r>
+            <a:endParaRPr lang="en-US" dirty="0"/>
+          </a:p>
+        </p:txBody>
+      </p:sp>
+      <p:sp>
+        <p:nvSpPr>
+          <p:cNvPr id="3" name="Content Placeholder 2"/>
+          <p:cNvSpPr>
+            <a:spLocks noGrp="1"/>
+          </p:cNvSpPr>
+          <p:nvPr>
+            <p:ph idx="1"/>
+          </p:nvPr>
+        </p:nvSpPr>
+        <p:spPr/>
+        <p:txBody>
+          <a:bodyPr/>
+          <a:lstStyle/>
+          <a:p>
+            <a:r>
+              <a:rPr lang="en-US" dirty="0" err="1" smtClean="0"/>
+              <a:t>Cada</a:t>
+            </a:r>
+            <a:r>
+              <a:rPr lang="en-US" dirty="0" smtClean="0"/>
+              <a:t> </a:t>
+            </a:r>
+            <a:r>
+              <a:rPr lang="en-US" dirty="0" err="1" smtClean="0"/>
+              <a:t>elemento</a:t>
+            </a:r>
+            <a:r>
+              <a:rPr lang="en-US" dirty="0" smtClean="0"/>
+              <a:t> de HTML </a:t>
+            </a:r>
+            <a:r>
+              <a:rPr lang="en-US" dirty="0" err="1" smtClean="0"/>
+              <a:t>tiene</a:t>
+            </a:r>
+            <a:r>
+              <a:rPr lang="en-US" dirty="0" smtClean="0"/>
+              <a:t> </a:t>
+            </a:r>
+            <a:r>
+              <a:rPr lang="en-US" dirty="0" err="1" smtClean="0"/>
+              <a:t>propiedades</a:t>
+            </a:r>
+            <a:r>
+              <a:rPr lang="en-US" dirty="0" smtClean="0"/>
+              <a:t>. </a:t>
+            </a:r>
+            <a:r>
+              <a:rPr lang="en-US" dirty="0" err="1" smtClean="0"/>
+              <a:t>Estas</a:t>
+            </a:r>
+            <a:r>
+              <a:rPr lang="en-US" dirty="0" smtClean="0"/>
+              <a:t> </a:t>
+            </a:r>
+            <a:r>
+              <a:rPr lang="en-US" dirty="0" err="1" smtClean="0"/>
+              <a:t>propiedades</a:t>
+            </a:r>
+            <a:r>
+              <a:rPr lang="en-US" dirty="0" smtClean="0"/>
+              <a:t> se </a:t>
+            </a:r>
+            <a:r>
+              <a:rPr lang="en-US" dirty="0" err="1" smtClean="0"/>
+              <a:t>escriben</a:t>
+            </a:r>
+            <a:r>
+              <a:rPr lang="en-US" dirty="0" smtClean="0"/>
+              <a:t> </a:t>
+            </a:r>
+            <a:r>
+              <a:rPr lang="en-US" dirty="0" err="1" smtClean="0"/>
+              <a:t>dentro</a:t>
+            </a:r>
+            <a:r>
+              <a:rPr lang="en-US" dirty="0" smtClean="0"/>
+              <a:t> del tag </a:t>
+            </a:r>
+            <a:r>
+              <a:rPr lang="en-US" dirty="0" err="1" smtClean="0"/>
+              <a:t>que</a:t>
+            </a:r>
+            <a:r>
+              <a:rPr lang="en-US" dirty="0" smtClean="0"/>
+              <a:t> </a:t>
+            </a:r>
+            <a:r>
+              <a:rPr lang="en-US" dirty="0" err="1" smtClean="0"/>
+              <a:t>abre</a:t>
+            </a:r>
+            <a:r>
+              <a:rPr lang="en-US" dirty="0" smtClean="0"/>
+              <a:t> el </a:t>
+            </a:r>
+            <a:r>
+              <a:rPr lang="en-US" dirty="0" err="1" smtClean="0"/>
+              <a:t>elemento</a:t>
+            </a:r>
+            <a:r>
+              <a:rPr lang="en-US" dirty="0" smtClean="0"/>
+              <a:t>. </a:t>
+            </a:r>
+          </a:p>
+          <a:p>
+            <a:r>
+              <a:rPr lang="en-US" dirty="0" err="1" smtClean="0"/>
+              <a:t>Ejemplo</a:t>
+            </a:r>
+            <a:endParaRPr lang="en-US" dirty="0" smtClean="0"/>
+          </a:p>
+          <a:p>
+            <a:r>
+              <a:rPr lang="en-US" dirty="0" smtClean="0"/>
+              <a:t>&lt;</a:t>
+            </a:r>
+            <a:r>
+              <a:rPr lang="en-US" dirty="0" err="1" smtClean="0"/>
+              <a:t>img</a:t>
+            </a:r>
+            <a:r>
+              <a:rPr lang="en-US" dirty="0" smtClean="0"/>
+              <a:t> </a:t>
+            </a:r>
+            <a:r>
+              <a:rPr lang="en-US" dirty="0" err="1" smtClean="0"/>
+              <a:t>src</a:t>
+            </a:r>
+            <a:r>
+              <a:rPr lang="en-US" dirty="0" smtClean="0"/>
+              <a:t>=“batman1.jpg”&gt;</a:t>
+            </a:r>
+          </a:p>
+          <a:p>
+            <a:r>
+              <a:rPr lang="en-US" dirty="0" smtClean="0"/>
+              <a:t>Las </a:t>
+            </a:r>
+            <a:r>
+              <a:rPr lang="en-US" dirty="0" err="1" smtClean="0"/>
+              <a:t>propiedades</a:t>
+            </a:r>
+            <a:r>
+              <a:rPr lang="en-US" dirty="0" smtClean="0"/>
+              <a:t> son </a:t>
+            </a:r>
+            <a:r>
+              <a:rPr lang="en-US" dirty="0" err="1" smtClean="0"/>
+              <a:t>creadas</a:t>
+            </a:r>
+            <a:r>
+              <a:rPr lang="en-US" dirty="0" smtClean="0"/>
+              <a:t> </a:t>
+            </a:r>
+            <a:r>
+              <a:rPr lang="en-US" dirty="0" err="1" smtClean="0"/>
+              <a:t>previamente</a:t>
+            </a:r>
+            <a:r>
+              <a:rPr lang="en-US" dirty="0" smtClean="0"/>
+              <a:t> </a:t>
+            </a:r>
+            <a:r>
+              <a:rPr lang="en-US" dirty="0" err="1" smtClean="0"/>
+              <a:t>por</a:t>
+            </a:r>
+            <a:r>
+              <a:rPr lang="en-US" dirty="0" smtClean="0"/>
+              <a:t> HTML. </a:t>
+            </a:r>
+            <a:r>
+              <a:rPr lang="en-US" dirty="0" err="1" smtClean="0"/>
+              <a:t>Cada</a:t>
+            </a:r>
+            <a:r>
+              <a:rPr lang="en-US" dirty="0" smtClean="0"/>
+              <a:t> </a:t>
+            </a:r>
+            <a:r>
+              <a:rPr lang="en-US" dirty="0" err="1" smtClean="0"/>
+              <a:t>elemento</a:t>
+            </a:r>
+            <a:r>
+              <a:rPr lang="en-US" dirty="0" smtClean="0"/>
+              <a:t> de HTML </a:t>
+            </a:r>
+            <a:r>
+              <a:rPr lang="en-US" dirty="0" err="1" smtClean="0"/>
+              <a:t>tiene</a:t>
+            </a:r>
+            <a:r>
+              <a:rPr lang="en-US" dirty="0" smtClean="0"/>
+              <a:t> </a:t>
+            </a:r>
+            <a:r>
+              <a:rPr lang="en-US" dirty="0" err="1" smtClean="0"/>
+              <a:t>sus</a:t>
+            </a:r>
+            <a:r>
+              <a:rPr lang="en-US" dirty="0" smtClean="0"/>
+              <a:t> </a:t>
+            </a:r>
+            <a:r>
+              <a:rPr lang="en-US" dirty="0" err="1" smtClean="0"/>
+              <a:t>propiedades</a:t>
+            </a:r>
+            <a:r>
+              <a:rPr lang="en-US" dirty="0" smtClean="0"/>
+              <a:t> </a:t>
+            </a:r>
+            <a:r>
+              <a:rPr lang="en-US" dirty="0" err="1" smtClean="0"/>
+              <a:t>por</a:t>
+            </a:r>
+            <a:r>
+              <a:rPr lang="en-US" dirty="0" smtClean="0"/>
+              <a:t> </a:t>
+            </a:r>
+            <a:r>
+              <a:rPr lang="en-US" dirty="0" err="1" smtClean="0"/>
+              <a:t>defecto</a:t>
+            </a:r>
+            <a:r>
+              <a:rPr lang="en-US" dirty="0" smtClean="0"/>
+              <a:t>.</a:t>
+            </a:r>
+          </a:p>
+          <a:p>
+            <a:r>
+              <a:rPr lang="en-US" dirty="0" smtClean="0"/>
+              <a:t>Las </a:t>
+            </a:r>
+            <a:r>
+              <a:rPr lang="en-US" dirty="0" err="1" smtClean="0"/>
+              <a:t>propiedades</a:t>
+            </a:r>
+            <a:r>
+              <a:rPr lang="en-US" dirty="0" smtClean="0"/>
+              <a:t> </a:t>
+            </a:r>
+            <a:r>
+              <a:rPr lang="en-US" dirty="0" err="1" smtClean="0"/>
+              <a:t>importantes</a:t>
+            </a:r>
+            <a:r>
+              <a:rPr lang="en-US" dirty="0" smtClean="0"/>
+              <a:t> </a:t>
+            </a:r>
+            <a:r>
+              <a:rPr lang="en-US" dirty="0" err="1" smtClean="0"/>
+              <a:t>para</a:t>
+            </a:r>
+            <a:r>
+              <a:rPr lang="en-US" dirty="0" smtClean="0"/>
+              <a:t> </a:t>
+            </a:r>
+            <a:r>
+              <a:rPr lang="en-US" dirty="0" err="1" smtClean="0"/>
+              <a:t>tomar</a:t>
+            </a:r>
+            <a:r>
+              <a:rPr lang="en-US" dirty="0" smtClean="0"/>
+              <a:t> en </a:t>
+            </a:r>
+            <a:r>
+              <a:rPr lang="en-US" dirty="0" err="1" smtClean="0"/>
+              <a:t>cuenta</a:t>
+            </a:r>
+            <a:r>
+              <a:rPr lang="en-US" dirty="0" smtClean="0"/>
+              <a:t> en CSS son class y id </a:t>
+            </a:r>
+            <a:r>
+              <a:rPr lang="en-US" dirty="0" err="1" smtClean="0"/>
+              <a:t>ya</a:t>
+            </a:r>
+            <a:r>
+              <a:rPr lang="en-US" dirty="0" smtClean="0"/>
+              <a:t> </a:t>
+            </a:r>
+            <a:r>
+              <a:rPr lang="en-US" dirty="0" err="1" smtClean="0"/>
+              <a:t>que</a:t>
+            </a:r>
+            <a:r>
+              <a:rPr lang="en-US" dirty="0" smtClean="0"/>
+              <a:t> </a:t>
+            </a:r>
+            <a:r>
+              <a:rPr lang="en-US" dirty="0" err="1" smtClean="0"/>
+              <a:t>mediante</a:t>
+            </a:r>
+            <a:r>
+              <a:rPr lang="en-US" dirty="0" smtClean="0"/>
+              <a:t> </a:t>
+            </a:r>
+            <a:r>
+              <a:rPr lang="en-US" dirty="0" err="1" smtClean="0"/>
+              <a:t>esas</a:t>
+            </a:r>
+            <a:r>
+              <a:rPr lang="en-US" dirty="0" smtClean="0"/>
+              <a:t> </a:t>
+            </a:r>
+            <a:r>
+              <a:rPr lang="en-US" dirty="0" err="1" smtClean="0"/>
+              <a:t>propiedades</a:t>
+            </a:r>
+            <a:r>
+              <a:rPr lang="en-US" dirty="0" smtClean="0"/>
+              <a:t>, el </a:t>
+            </a:r>
+            <a:r>
+              <a:rPr lang="en-US" dirty="0" err="1" smtClean="0"/>
+              <a:t>estilo</a:t>
+            </a:r>
+            <a:r>
+              <a:rPr lang="en-US" dirty="0" smtClean="0"/>
+              <a:t> se </a:t>
+            </a:r>
+            <a:r>
+              <a:rPr lang="en-US" dirty="0" err="1" smtClean="0"/>
+              <a:t>aplica</a:t>
+            </a:r>
+            <a:r>
+              <a:rPr lang="en-US" dirty="0" smtClean="0"/>
+              <a:t> a los </a:t>
+            </a:r>
+            <a:r>
+              <a:rPr lang="en-US" dirty="0" err="1" smtClean="0"/>
+              <a:t>elementos</a:t>
+            </a:r>
+            <a:r>
+              <a:rPr lang="en-US" dirty="0" smtClean="0"/>
+              <a:t>.</a:t>
+            </a:r>
+          </a:p>
+        </p:txBody>
+      </p:sp>
+    </p:spTree>
+    <p:extLst>
+      <p:ext uri="{BB962C8B-B14F-4D97-AF65-F5344CB8AC3E}">
+        <p14:creationId xmlns:p14="http://schemas.microsoft.com/office/powerpoint/2010/main" val="3500555016"/>
+      </p:ext>
+    </p:extLst>
+  </p:cSld>
+  <p:clrMapOvr>
+    <a:masterClrMapping/>
+  </p:clrMapOvr>
+  <p:timing>
+    <p:tnLst>
+      <p:par>
+        <p:cTn id="1" dur="indefinite" restart="never" nodeType="tmRoot">
+          <p:childTnLst>
+            <p:seq concurrent="1" nextAc="seek">
+              <p:cTn id="2" dur="indefinite" nodeType="mainSeq">
+                <p:childTnLst>
+                  <p:par>
+                    <p:cTn id="3" fill="hold">
+                      <p:stCondLst>
+                        <p:cond delay="indefinite"/>
+                      </p:stCondLst>
+                      <p:childTnLst>
+                        <p:par>
+                          <p:cTn id="4" fill="hold">
+                            <p:stCondLst>
+                              <p:cond delay="0"/>
+                            </p:stCondLst>
+                            <p:childTnLst>
+                              <p:par>
+                                <p:cTn id="5" presetID="1" presetClass="entr" presetSubtype="0" fill="hold" nodeType="clickEffect">
+                                  <p:stCondLst>
+                                    <p:cond delay="0"/>
+                                  </p:stCondLst>
+                                  <p:childTnLst>
+                                    <p:set>
+                                      <p:cBhvr>
+                                        <p:cTn id="6" dur="1" fill="hold">
+                                          <p:stCondLst>
+                                            <p:cond delay="0"/>
+                                          </p:stCondLst>
+                                        </p:cTn>
+                                        <p:tgtEl>
+                                          <p:spTgt spid="3">
+                                            <p:txEl>
+                                              <p:pRg st="0" end="0"/>
+                                            </p:txEl>
+                                          </p:spTgt>
+                                        </p:tgtEl>
+                                        <p:attrNameLst>
+                                          <p:attrName>style.visibility</p:attrName>
+                                        </p:attrNameLst>
+                                      </p:cBhvr>
+                                      <p:to>
+                                        <p:strVal val="visible"/>
+                                      </p:to>
+                                    </p:set>
+                                  </p:childTnLst>
+                                </p:cTn>
+                              </p:par>
+                            </p:childTnLst>
+                          </p:cTn>
+                        </p:par>
+                      </p:childTnLst>
+                    </p:cTn>
+                  </p:par>
+                  <p:par>
+                    <p:cTn id="7" fill="hold">
+                      <p:stCondLst>
+                        <p:cond delay="indefinite"/>
+                      </p:stCondLst>
+                      <p:childTnLst>
+                        <p:par>
+                          <p:cTn id="8" fill="hold">
+                            <p:stCondLst>
+                              <p:cond delay="0"/>
+                            </p:stCondLst>
+                            <p:childTnLst>
+                              <p:par>
+                                <p:cTn id="9" presetID="1" presetClass="entr" presetSubtype="0" fill="hold" nodeType="clickEffect">
+                                  <p:stCondLst>
+                                    <p:cond delay="0"/>
+                                  </p:stCondLst>
+                                  <p:childTnLst>
+                                    <p:set>
+                                      <p:cBhvr>
+                                        <p:cTn id="10" dur="1" fill="hold">
+                                          <p:stCondLst>
+                                            <p:cond delay="0"/>
+                                          </p:stCondLst>
+                                        </p:cTn>
+                                        <p:tgtEl>
+                                          <p:spTgt spid="3">
+                                            <p:txEl>
+                                              <p:pRg st="1" end="1"/>
+                                            </p:txEl>
+                                          </p:spTgt>
+                                        </p:tgtEl>
+                                        <p:attrNameLst>
+                                          <p:attrName>style.visibility</p:attrName>
+                                        </p:attrNameLst>
+                                      </p:cBhvr>
+                                      <p:to>
+                                        <p:strVal val="visible"/>
+                                      </p:to>
+                                    </p:set>
+                                  </p:childTnLst>
+                                </p:cTn>
+                              </p:par>
+                            </p:childTnLst>
+                          </p:cTn>
+                        </p:par>
+                      </p:childTnLst>
+                    </p:cTn>
+                  </p:par>
+                  <p:par>
+                    <p:cTn id="11" fill="hold">
+                      <p:stCondLst>
+                        <p:cond delay="indefinite"/>
+                      </p:stCondLst>
+                      <p:childTnLst>
+                        <p:par>
+                          <p:cTn id="12" fill="hold">
+                            <p:stCondLst>
+                              <p:cond delay="0"/>
+                            </p:stCondLst>
+                            <p:childTnLst>
+                              <p:par>
+                                <p:cTn id="13" presetID="1" presetClass="entr" presetSubtype="0" fill="hold" nodeType="clickEffect">
+                                  <p:stCondLst>
+                                    <p:cond delay="0"/>
+                                  </p:stCondLst>
+                                  <p:childTnLst>
+                                    <p:set>
+                                      <p:cBhvr>
+                                        <p:cTn id="14" dur="1" fill="hold">
+                                          <p:stCondLst>
+                                            <p:cond delay="0"/>
+                                          </p:stCondLst>
+                                        </p:cTn>
+                                        <p:tgtEl>
+                                          <p:spTgt spid="3">
+                                            <p:txEl>
+                                              <p:pRg st="2" end="2"/>
+                                            </p:txEl>
+                                          </p:spTgt>
+                                        </p:tgtEl>
+                                        <p:attrNameLst>
+                                          <p:attrName>style.visibility</p:attrName>
+                                        </p:attrNameLst>
+                                      </p:cBhvr>
+                                      <p:to>
+                                        <p:strVal val="visible"/>
+                                      </p:to>
+                                    </p:set>
+                                  </p:childTnLst>
+                                </p:cTn>
+                              </p:par>
+                            </p:childTnLst>
+                          </p:cTn>
+                        </p:par>
+                      </p:childTnLst>
+                    </p:cTn>
+                  </p:par>
+                  <p:par>
+                    <p:cTn id="15" fill="hold">
+                      <p:stCondLst>
+                        <p:cond delay="indefinite"/>
+                      </p:stCondLst>
+                      <p:childTnLst>
+                        <p:par>
+                          <p:cTn id="16" fill="hold">
+                            <p:stCondLst>
+                              <p:cond delay="0"/>
+                            </p:stCondLst>
+                            <p:childTnLst>
+                              <p:par>
+                                <p:cTn id="17" presetID="1" presetClass="entr" presetSubtype="0" fill="hold" nodeType="clickEffect">
+                                  <p:stCondLst>
+                                    <p:cond delay="0"/>
+                                  </p:stCondLst>
+                                  <p:childTnLst>
+                                    <p:set>
+                                      <p:cBhvr>
+                                        <p:cTn id="18" dur="1" fill="hold">
+                                          <p:stCondLst>
+                                            <p:cond delay="0"/>
+                                          </p:stCondLst>
+                                        </p:cTn>
+                                        <p:tgtEl>
+                                          <p:spTgt spid="3">
+                                            <p:txEl>
+                                              <p:pRg st="3" end="3"/>
+                                            </p:txEl>
+                                          </p:spTgt>
+                                        </p:tgtEl>
+                                        <p:attrNameLst>
+                                          <p:attrName>style.visibility</p:attrName>
+                                        </p:attrNameLst>
+                                      </p:cBhvr>
+                                      <p:to>
+                                        <p:strVal val="visible"/>
+                                      </p:to>
+                                    </p:set>
+                                  </p:childTnLst>
+                                </p:cTn>
+                              </p:par>
+                            </p:childTnLst>
+                          </p:cTn>
+                        </p:par>
+                      </p:childTnLst>
+                    </p:cTn>
+                  </p:par>
+                  <p:par>
+                    <p:cTn id="19" fill="hold">
+                      <p:stCondLst>
+                        <p:cond delay="indefinite"/>
+                      </p:stCondLst>
+                      <p:childTnLst>
+                        <p:par>
+                          <p:cTn id="20" fill="hold">
+                            <p:stCondLst>
+                              <p:cond delay="0"/>
+                            </p:stCondLst>
+                            <p:childTnLst>
+                              <p:par>
+                                <p:cTn id="21" presetID="1" presetClass="entr" presetSubtype="0" fill="hold" nodeType="clickEffect">
+                                  <p:stCondLst>
+                                    <p:cond delay="0"/>
+                                  </p:stCondLst>
+                                  <p:childTnLst>
+                                    <p:set>
+                                      <p:cBhvr>
+                                        <p:cTn id="22" dur="1" fill="hold">
+                                          <p:stCondLst>
+                                            <p:cond delay="0"/>
+                                          </p:stCondLst>
+                                        </p:cTn>
+                                        <p:tgtEl>
+                                          <p:spTgt spid="3">
+                                            <p:txEl>
+                                              <p:pRg st="4" end="4"/>
+                                            </p:txEl>
+                                          </p:spTgt>
+                                        </p:tgtEl>
+                                        <p:attrNameLst>
+                                          <p:attrName>style.visibility</p:attrName>
+                                        </p:attrNameLst>
+                                      </p:cBhvr>
+                                      <p:to>
+                                        <p:strVal val="visible"/>
+                                      </p:to>
+                                    </p:set>
+                                  </p:childTnLst>
+                                </p:cTn>
+                              </p:par>
+                            </p:childTnLst>
+                          </p:cTn>
+                        </p:par>
+                      </p:childTnLst>
+                    </p:cTn>
+                  </p:par>
+                </p:childTnLst>
+              </p:cTn>
+              <p:prevCondLst>
+                <p:cond evt="onPrev" delay="0">
+                  <p:tgtEl>
+                    <p:sldTgt/>
+                  </p:tgtEl>
+                </p:cond>
+              </p:prevCondLst>
+              <p:nextCondLst>
+                <p:cond evt="onNext" delay="0">
+                  <p:tgtEl>
+                    <p:sldTgt/>
+                  </p:tgtEl>
+                </p:cond>
+              </p:nextCondLst>
+            </p:seq>
+          </p:childTnLst>
+        </p:cTn>
+      </p:par>
+    </p:tnLst>
+  </p:timing>
+</p:sld>
+</file>
+
+<file path=ppt/slides/slide11.xml><?xml version="1.0" encoding="utf-8"?>
+<p:sld xmlns:a="http://schemas.openxmlformats.org/drawingml/2006/main" xmlns:r="http://schemas.openxmlformats.org/officeDocument/2006/relationships" xmlns:p="http://schemas.openxmlformats.org/presentationml/2006/main">
+  <p:cSld>
+    <p:spTree>
+      <p:nvGrpSpPr>
+        <p:cNvPr id="1" name=""/>
+        <p:cNvGrpSpPr/>
+        <p:nvPr/>
+      </p:nvGrpSpPr>
+      <p:grpSpPr>
+        <a:xfrm>
+          <a:off x="0" y="0"/>
+          <a:ext cx="0" cy="0"/>
+          <a:chOff x="0" y="0"/>
+          <a:chExt cx="0" cy="0"/>
+        </a:xfrm>
+      </p:grpSpPr>
+      <p:sp>
+        <p:nvSpPr>
+          <p:cNvPr id="2" name="Title 1"/>
+          <p:cNvSpPr>
+            <a:spLocks noGrp="1"/>
+          </p:cNvSpPr>
+          <p:nvPr>
+            <p:ph type="title"/>
+          </p:nvPr>
+        </p:nvSpPr>
+        <p:spPr/>
+        <p:txBody>
+          <a:bodyPr/>
+          <a:lstStyle/>
+          <a:p>
+            <a:r>
+              <a:rPr lang="en-US" dirty="0" smtClean="0"/>
+              <a:t>Class y ID</a:t>
+            </a:r>
+            <a:endParaRPr lang="en-US" dirty="0"/>
+          </a:p>
+        </p:txBody>
+      </p:sp>
+      <p:sp>
+        <p:nvSpPr>
+          <p:cNvPr id="3" name="Content Placeholder 2"/>
+          <p:cNvSpPr>
+            <a:spLocks noGrp="1"/>
+          </p:cNvSpPr>
+          <p:nvPr>
+            <p:ph idx="1"/>
+          </p:nvPr>
+        </p:nvSpPr>
+        <p:spPr/>
+        <p:txBody>
+          <a:bodyPr/>
+          <a:lstStyle/>
+          <a:p>
+            <a:r>
+              <a:rPr lang="en-US" dirty="0" smtClean="0"/>
+              <a:t>La </a:t>
+            </a:r>
+            <a:r>
+              <a:rPr lang="en-US" dirty="0" err="1" smtClean="0"/>
+              <a:t>propiedad</a:t>
+            </a:r>
+            <a:r>
+              <a:rPr lang="en-US" dirty="0" smtClean="0"/>
+              <a:t> ID se </a:t>
+            </a:r>
+            <a:r>
+              <a:rPr lang="en-US" dirty="0" err="1" smtClean="0"/>
+              <a:t>usa</a:t>
+            </a:r>
+            <a:r>
+              <a:rPr lang="en-US" dirty="0" smtClean="0"/>
+              <a:t> </a:t>
+            </a:r>
+            <a:r>
+              <a:rPr lang="en-US" dirty="0" err="1" smtClean="0"/>
+              <a:t>para</a:t>
+            </a:r>
+            <a:r>
+              <a:rPr lang="en-US" dirty="0" smtClean="0"/>
+              <a:t> </a:t>
+            </a:r>
+            <a:r>
+              <a:rPr lang="en-US" dirty="0" err="1" smtClean="0"/>
+              <a:t>diferenciar</a:t>
+            </a:r>
+            <a:r>
+              <a:rPr lang="en-US" dirty="0" smtClean="0"/>
+              <a:t> un </a:t>
+            </a:r>
+            <a:r>
+              <a:rPr lang="en-US" dirty="0" err="1" smtClean="0"/>
+              <a:t>elemento</a:t>
+            </a:r>
+            <a:r>
+              <a:rPr lang="en-US" dirty="0" smtClean="0"/>
+              <a:t> de los </a:t>
+            </a:r>
+            <a:r>
+              <a:rPr lang="en-US" dirty="0" err="1" smtClean="0"/>
+              <a:t>demás</a:t>
+            </a:r>
+            <a:r>
+              <a:rPr lang="en-US" dirty="0" smtClean="0"/>
+              <a:t>. </a:t>
+            </a:r>
+            <a:r>
+              <a:rPr lang="en-US" dirty="0" err="1" smtClean="0"/>
+              <a:t>Cada</a:t>
+            </a:r>
+            <a:r>
+              <a:rPr lang="en-US" dirty="0" smtClean="0"/>
+              <a:t> valor de ID </a:t>
+            </a:r>
+            <a:r>
+              <a:rPr lang="en-US" dirty="0" err="1" smtClean="0"/>
+              <a:t>es</a:t>
+            </a:r>
+            <a:r>
+              <a:rPr lang="en-US" dirty="0" smtClean="0"/>
+              <a:t> </a:t>
+            </a:r>
+            <a:r>
+              <a:rPr lang="en-US" dirty="0" err="1" smtClean="0"/>
+              <a:t>único</a:t>
+            </a:r>
+            <a:r>
+              <a:rPr lang="en-US" dirty="0" smtClean="0"/>
+              <a:t> </a:t>
+            </a:r>
+            <a:r>
+              <a:rPr lang="en-US" dirty="0" err="1" smtClean="0"/>
+              <a:t>así</a:t>
+            </a:r>
+            <a:r>
+              <a:rPr lang="en-US" dirty="0" smtClean="0"/>
+              <a:t> </a:t>
+            </a:r>
+            <a:r>
+              <a:rPr lang="en-US" dirty="0" err="1" smtClean="0"/>
+              <a:t>que</a:t>
+            </a:r>
+            <a:r>
+              <a:rPr lang="en-US" dirty="0" smtClean="0"/>
+              <a:t> no </a:t>
+            </a:r>
+            <a:r>
+              <a:rPr lang="en-US" dirty="0" err="1" smtClean="0"/>
+              <a:t>pueden</a:t>
+            </a:r>
+            <a:r>
+              <a:rPr lang="en-US" dirty="0" smtClean="0"/>
+              <a:t> </a:t>
+            </a:r>
+            <a:r>
+              <a:rPr lang="en-US" dirty="0" err="1" smtClean="0"/>
+              <a:t>existir</a:t>
+            </a:r>
+            <a:r>
+              <a:rPr lang="en-US" dirty="0" smtClean="0"/>
+              <a:t> dos ID </a:t>
+            </a:r>
+            <a:r>
+              <a:rPr lang="en-US" dirty="0" err="1" smtClean="0"/>
+              <a:t>iguales</a:t>
+            </a:r>
+            <a:r>
+              <a:rPr lang="en-US" dirty="0" smtClean="0"/>
+              <a:t>.</a:t>
+            </a:r>
+          </a:p>
+          <a:p>
+            <a:r>
+              <a:rPr lang="en-US" dirty="0" err="1" smtClean="0"/>
+              <a:t>Por</a:t>
+            </a:r>
+            <a:r>
+              <a:rPr lang="en-US" dirty="0" smtClean="0"/>
+              <a:t> </a:t>
+            </a:r>
+            <a:r>
+              <a:rPr lang="en-US" dirty="0" err="1" smtClean="0"/>
+              <a:t>ejemplo</a:t>
+            </a:r>
+            <a:r>
+              <a:rPr lang="en-US" dirty="0" smtClean="0"/>
+              <a:t>, un </a:t>
+            </a:r>
+            <a:r>
+              <a:rPr lang="en-US" dirty="0" err="1" smtClean="0"/>
+              <a:t>título</a:t>
+            </a:r>
+            <a:r>
+              <a:rPr lang="en-US" dirty="0" smtClean="0"/>
+              <a:t> en </a:t>
+            </a:r>
+            <a:r>
+              <a:rPr lang="en-US" dirty="0" err="1" smtClean="0"/>
+              <a:t>una</a:t>
+            </a:r>
+            <a:r>
+              <a:rPr lang="en-US" dirty="0" smtClean="0"/>
+              <a:t> </a:t>
+            </a:r>
+            <a:r>
+              <a:rPr lang="en-US" dirty="0" err="1" smtClean="0"/>
+              <a:t>página</a:t>
+            </a:r>
+            <a:r>
+              <a:rPr lang="en-US" dirty="0" smtClean="0"/>
+              <a:t> </a:t>
+            </a:r>
+            <a:r>
+              <a:rPr lang="en-US" dirty="0" err="1" smtClean="0"/>
+              <a:t>es</a:t>
+            </a:r>
+            <a:r>
+              <a:rPr lang="en-US" dirty="0" smtClean="0"/>
+              <a:t> </a:t>
+            </a:r>
+            <a:r>
+              <a:rPr lang="en-US" dirty="0" err="1" smtClean="0"/>
+              <a:t>único</a:t>
+            </a:r>
+            <a:r>
+              <a:rPr lang="en-US" dirty="0" smtClean="0"/>
+              <a:t> </a:t>
+            </a:r>
+            <a:r>
+              <a:rPr lang="en-US" dirty="0" err="1" smtClean="0"/>
+              <a:t>por</a:t>
+            </a:r>
+            <a:r>
+              <a:rPr lang="en-US" dirty="0" smtClean="0"/>
+              <a:t> lo </a:t>
+            </a:r>
+            <a:r>
+              <a:rPr lang="en-US" dirty="0" err="1" smtClean="0"/>
+              <a:t>que</a:t>
+            </a:r>
+            <a:r>
+              <a:rPr lang="en-US" dirty="0" smtClean="0"/>
+              <a:t> </a:t>
+            </a:r>
+            <a:r>
+              <a:rPr lang="en-US" dirty="0" err="1" smtClean="0"/>
+              <a:t>podemos</a:t>
+            </a:r>
+            <a:r>
+              <a:rPr lang="en-US" dirty="0" smtClean="0"/>
+              <a:t> </a:t>
+            </a:r>
+            <a:r>
+              <a:rPr lang="en-US" dirty="0" err="1" smtClean="0"/>
+              <a:t>identificarlo</a:t>
+            </a:r>
+            <a:r>
+              <a:rPr lang="en-US" dirty="0" smtClean="0"/>
+              <a:t> </a:t>
+            </a:r>
+            <a:r>
+              <a:rPr lang="en-US" dirty="0" err="1" smtClean="0"/>
+              <a:t>así</a:t>
+            </a:r>
+            <a:endParaRPr lang="en-US" dirty="0" smtClean="0"/>
+          </a:p>
+          <a:p>
+            <a:r>
+              <a:rPr lang="en-US" dirty="0" smtClean="0"/>
+              <a:t>&lt;h1 id=“</a:t>
+            </a:r>
+            <a:r>
+              <a:rPr lang="en-US" dirty="0" err="1" smtClean="0"/>
+              <a:t>titulo</a:t>
+            </a:r>
+            <a:r>
+              <a:rPr lang="en-US" dirty="0" smtClean="0"/>
+              <a:t>”&gt;</a:t>
+            </a:r>
+            <a:r>
+              <a:rPr lang="en-US" dirty="0" err="1" smtClean="0"/>
+              <a:t>Mi</a:t>
+            </a:r>
+            <a:r>
+              <a:rPr lang="en-US" dirty="0" smtClean="0"/>
+              <a:t> </a:t>
+            </a:r>
+            <a:r>
+              <a:rPr lang="en-US" dirty="0" err="1" smtClean="0"/>
+              <a:t>primiera</a:t>
+            </a:r>
+            <a:r>
+              <a:rPr lang="en-US" dirty="0" smtClean="0"/>
+              <a:t> </a:t>
+            </a:r>
+            <a:r>
+              <a:rPr lang="en-US" dirty="0" err="1" smtClean="0"/>
+              <a:t>página</a:t>
+            </a:r>
+            <a:r>
+              <a:rPr lang="en-US" dirty="0" smtClean="0"/>
+              <a:t>&lt;/h1&gt;</a:t>
+            </a:r>
+            <a:endParaRPr lang="en-US" dirty="0"/>
+          </a:p>
+        </p:txBody>
+      </p:sp>
+    </p:spTree>
+    <p:extLst>
+      <p:ext uri="{BB962C8B-B14F-4D97-AF65-F5344CB8AC3E}">
+        <p14:creationId xmlns:p14="http://schemas.microsoft.com/office/powerpoint/2010/main" val="2279088829"/>
+      </p:ext>
+    </p:extLst>
+  </p:cSld>
+  <p:clrMapOvr>
+    <a:masterClrMapping/>
+  </p:clrMapOvr>
+  <p:timing>
+    <p:tnLst>
+      <p:par>
+        <p:cTn id="1" dur="indefinite" restart="never" nodeType="tmRoot">
+          <p:childTnLst>
+            <p:seq concurrent="1" nextAc="seek">
+              <p:cTn id="2" dur="indefinite" nodeType="mainSeq">
+                <p:childTnLst>
+                  <p:par>
+                    <p:cTn id="3" fill="hold">
+                      <p:stCondLst>
+                        <p:cond delay="indefinite"/>
+                      </p:stCondLst>
+                      <p:childTnLst>
+                        <p:par>
+                          <p:cTn id="4" fill="hold">
+                            <p:stCondLst>
+                              <p:cond delay="0"/>
+                            </p:stCondLst>
+                            <p:childTnLst>
+                              <p:par>
+                                <p:cTn id="5" presetID="1" presetClass="entr" presetSubtype="0" fill="hold" nodeType="clickEffect">
+                                  <p:stCondLst>
+                                    <p:cond delay="0"/>
+                                  </p:stCondLst>
+                                  <p:childTnLst>
+                                    <p:set>
+                                      <p:cBhvr>
+                                        <p:cTn id="6" dur="1" fill="hold">
+                                          <p:stCondLst>
+                                            <p:cond delay="0"/>
+                                          </p:stCondLst>
+                                        </p:cTn>
+                                        <p:tgtEl>
+                                          <p:spTgt spid="3">
+                                            <p:txEl>
+                                              <p:pRg st="0" end="0"/>
+                                            </p:txEl>
+                                          </p:spTgt>
+                                        </p:tgtEl>
+                                        <p:attrNameLst>
+                                          <p:attrName>style.visibility</p:attrName>
+                                        </p:attrNameLst>
+                                      </p:cBhvr>
+                                      <p:to>
+                                        <p:strVal val="visible"/>
+                                      </p:to>
+                                    </p:set>
+                                  </p:childTnLst>
+                                </p:cTn>
+                              </p:par>
+                            </p:childTnLst>
+                          </p:cTn>
+                        </p:par>
+                      </p:childTnLst>
+                    </p:cTn>
+                  </p:par>
+                  <p:par>
+                    <p:cTn id="7" fill="hold">
+                      <p:stCondLst>
+                        <p:cond delay="indefinite"/>
+                      </p:stCondLst>
+                      <p:childTnLst>
+                        <p:par>
+                          <p:cTn id="8" fill="hold">
+                            <p:stCondLst>
+                              <p:cond delay="0"/>
+                            </p:stCondLst>
+                            <p:childTnLst>
+                              <p:par>
+                                <p:cTn id="9" presetID="1" presetClass="entr" presetSubtype="0" fill="hold" nodeType="clickEffect">
+                                  <p:stCondLst>
+                                    <p:cond delay="0"/>
+                                  </p:stCondLst>
+                                  <p:childTnLst>
+                                    <p:set>
+                                      <p:cBhvr>
+                                        <p:cTn id="10" dur="1" fill="hold">
+                                          <p:stCondLst>
+                                            <p:cond delay="0"/>
+                                          </p:stCondLst>
+                                        </p:cTn>
+                                        <p:tgtEl>
+                                          <p:spTgt spid="3">
+                                            <p:txEl>
+                                              <p:pRg st="1" end="1"/>
+                                            </p:txEl>
+                                          </p:spTgt>
+                                        </p:tgtEl>
+                                        <p:attrNameLst>
+                                          <p:attrName>style.visibility</p:attrName>
+                                        </p:attrNameLst>
+                                      </p:cBhvr>
+                                      <p:to>
+                                        <p:strVal val="visible"/>
+                                      </p:to>
+                                    </p:set>
+                                  </p:childTnLst>
+                                </p:cTn>
+                              </p:par>
+                              <p:par>
+                                <p:cTn id="11" presetID="1" presetClass="entr" presetSubtype="0" fill="hold" nodeType="withEffect">
+                                  <p:stCondLst>
+                                    <p:cond delay="0"/>
+                                  </p:stCondLst>
+                                  <p:childTnLst>
+                                    <p:set>
+                                      <p:cBhvr>
+                                        <p:cTn id="12" dur="1" fill="hold">
+                                          <p:stCondLst>
+                                            <p:cond delay="0"/>
+                                          </p:stCondLst>
+                                        </p:cTn>
+                                        <p:tgtEl>
+                                          <p:spTgt spid="3">
+                                            <p:txEl>
+                                              <p:pRg st="2" end="2"/>
+                                            </p:txEl>
+                                          </p:spTgt>
+                                        </p:tgtEl>
+                                        <p:attrNameLst>
+                                          <p:attrName>style.visibility</p:attrName>
+                                        </p:attrNameLst>
+                                      </p:cBhvr>
+                                      <p:to>
+                                        <p:strVal val="visible"/>
+                                      </p:to>
+                                    </p:set>
+                                  </p:childTnLst>
+                                </p:cTn>
+                              </p:par>
+                            </p:childTnLst>
+                          </p:cTn>
+                        </p:par>
+                      </p:childTnLst>
+                    </p:cTn>
+                  </p:par>
+                </p:childTnLst>
+              </p:cTn>
+              <p:prevCondLst>
+                <p:cond evt="onPrev" delay="0">
+                  <p:tgtEl>
+                    <p:sldTgt/>
+                  </p:tgtEl>
+                </p:cond>
+              </p:prevCondLst>
+              <p:nextCondLst>
+                <p:cond evt="onNext" delay="0">
+                  <p:tgtEl>
+                    <p:sldTgt/>
+                  </p:tgtEl>
+                </p:cond>
+              </p:nextCondLst>
+            </p:seq>
+          </p:childTnLst>
+        </p:cTn>
+      </p:par>
+    </p:tnLst>
+  </p:timing>
+</p:sld>
+</file>
+
+<file path=ppt/slides/slide12.xml><?xml version="1.0" encoding="utf-8"?>
+<p:sld xmlns:a="http://schemas.openxmlformats.org/drawingml/2006/main" xmlns:r="http://schemas.openxmlformats.org/officeDocument/2006/relationships" xmlns:p="http://schemas.openxmlformats.org/presentationml/2006/main">
+  <p:cSld>
+    <p:spTree>
+      <p:nvGrpSpPr>
+        <p:cNvPr id="1" name=""/>
+        <p:cNvGrpSpPr/>
+        <p:nvPr/>
+      </p:nvGrpSpPr>
+      <p:grpSpPr>
+        <a:xfrm>
+          <a:off x="0" y="0"/>
+          <a:ext cx="0" cy="0"/>
+          <a:chOff x="0" y="0"/>
+          <a:chExt cx="0" cy="0"/>
+        </a:xfrm>
+      </p:grpSpPr>
+      <p:sp>
+        <p:nvSpPr>
+          <p:cNvPr id="2" name="Title 1"/>
+          <p:cNvSpPr>
+            <a:spLocks noGrp="1"/>
+          </p:cNvSpPr>
+          <p:nvPr>
+            <p:ph type="title"/>
+          </p:nvPr>
+        </p:nvSpPr>
+        <p:spPr/>
+        <p:txBody>
+          <a:bodyPr/>
+          <a:lstStyle/>
+          <a:p>
+            <a:r>
+              <a:rPr lang="en-US" dirty="0" smtClean="0"/>
+              <a:t>Class y ID</a:t>
+            </a:r>
+            <a:endParaRPr lang="en-US" dirty="0"/>
+          </a:p>
+        </p:txBody>
+      </p:sp>
+      <p:sp>
+        <p:nvSpPr>
+          <p:cNvPr id="3" name="Content Placeholder 2"/>
+          <p:cNvSpPr>
+            <a:spLocks noGrp="1"/>
+          </p:cNvSpPr>
+          <p:nvPr>
+            <p:ph idx="1"/>
+          </p:nvPr>
+        </p:nvSpPr>
+        <p:spPr/>
+        <p:txBody>
+          <a:bodyPr/>
+          <a:lstStyle/>
+          <a:p>
+            <a:r>
+              <a:rPr lang="en-US" dirty="0" smtClean="0"/>
+              <a:t>Las </a:t>
+            </a:r>
+            <a:r>
+              <a:rPr lang="en-US" dirty="0" err="1" smtClean="0"/>
+              <a:t>clases</a:t>
+            </a:r>
+            <a:r>
+              <a:rPr lang="en-US" dirty="0" smtClean="0"/>
+              <a:t> </a:t>
+            </a:r>
+            <a:r>
+              <a:rPr lang="en-US" dirty="0" err="1" smtClean="0"/>
+              <a:t>definen</a:t>
+            </a:r>
+            <a:r>
+              <a:rPr lang="en-US" dirty="0" smtClean="0"/>
+              <a:t> un </a:t>
+            </a:r>
+            <a:r>
+              <a:rPr lang="en-US" dirty="0" err="1" smtClean="0"/>
+              <a:t>conjunto</a:t>
+            </a:r>
+            <a:r>
+              <a:rPr lang="en-US" dirty="0" smtClean="0"/>
+              <a:t> de </a:t>
+            </a:r>
+            <a:r>
+              <a:rPr lang="en-US" dirty="0" err="1" smtClean="0"/>
+              <a:t>elementos</a:t>
+            </a:r>
+            <a:r>
+              <a:rPr lang="en-US" dirty="0" smtClean="0"/>
+              <a:t> </a:t>
+            </a:r>
+            <a:r>
+              <a:rPr lang="en-US" dirty="0" err="1" smtClean="0"/>
+              <a:t>que</a:t>
+            </a:r>
+            <a:r>
+              <a:rPr lang="en-US" dirty="0" smtClean="0"/>
+              <a:t> van a </a:t>
+            </a:r>
+            <a:r>
+              <a:rPr lang="en-US" dirty="0" err="1" smtClean="0"/>
+              <a:t>ser</a:t>
+            </a:r>
+            <a:r>
+              <a:rPr lang="en-US" dirty="0" smtClean="0"/>
+              <a:t> </a:t>
+            </a:r>
+            <a:r>
+              <a:rPr lang="en-US" dirty="0" err="1" smtClean="0"/>
+              <a:t>tratados</a:t>
+            </a:r>
+            <a:r>
+              <a:rPr lang="en-US" dirty="0" smtClean="0"/>
+              <a:t> </a:t>
+            </a:r>
+            <a:r>
+              <a:rPr lang="en-US" dirty="0" err="1" smtClean="0"/>
+              <a:t>igual</a:t>
+            </a:r>
+            <a:r>
+              <a:rPr lang="en-US" dirty="0" smtClean="0"/>
+              <a:t>. Las </a:t>
+            </a:r>
+            <a:r>
+              <a:rPr lang="en-US" dirty="0" err="1" smtClean="0"/>
+              <a:t>clases</a:t>
+            </a:r>
+            <a:r>
+              <a:rPr lang="en-US" dirty="0" smtClean="0"/>
+              <a:t> se </a:t>
+            </a:r>
+            <a:r>
+              <a:rPr lang="en-US" dirty="0" err="1" smtClean="0"/>
+              <a:t>pueden</a:t>
+            </a:r>
+            <a:r>
+              <a:rPr lang="en-US" dirty="0" smtClean="0"/>
+              <a:t> </a:t>
+            </a:r>
+            <a:r>
+              <a:rPr lang="en-US" dirty="0" err="1" smtClean="0"/>
+              <a:t>repetir</a:t>
+            </a:r>
+            <a:r>
+              <a:rPr lang="en-US" dirty="0" smtClean="0"/>
+              <a:t> de un </a:t>
+            </a:r>
+            <a:r>
+              <a:rPr lang="en-US" dirty="0" err="1" smtClean="0"/>
+              <a:t>elemento</a:t>
+            </a:r>
+            <a:r>
+              <a:rPr lang="en-US" dirty="0" smtClean="0"/>
+              <a:t> a </a:t>
+            </a:r>
+            <a:r>
+              <a:rPr lang="en-US" dirty="0" err="1" smtClean="0"/>
+              <a:t>otro</a:t>
+            </a:r>
+            <a:endParaRPr lang="en-US" dirty="0" smtClean="0"/>
+          </a:p>
+          <a:p>
+            <a:r>
+              <a:rPr lang="en-US" dirty="0" err="1" smtClean="0"/>
+              <a:t>Por</a:t>
+            </a:r>
+            <a:r>
+              <a:rPr lang="en-US" dirty="0" smtClean="0"/>
+              <a:t> </a:t>
+            </a:r>
+            <a:r>
+              <a:rPr lang="en-US" dirty="0" err="1" smtClean="0"/>
+              <a:t>ejemplo</a:t>
+            </a:r>
+            <a:r>
+              <a:rPr lang="en-US" dirty="0" smtClean="0"/>
+              <a:t>, los </a:t>
+            </a:r>
+            <a:r>
+              <a:rPr lang="en-US" dirty="0" err="1" smtClean="0"/>
+              <a:t>subtítulos</a:t>
+            </a:r>
+            <a:r>
+              <a:rPr lang="en-US" dirty="0" smtClean="0"/>
+              <a:t> de </a:t>
+            </a:r>
+            <a:r>
+              <a:rPr lang="en-US" dirty="0" err="1" smtClean="0"/>
+              <a:t>las</a:t>
+            </a:r>
+            <a:r>
+              <a:rPr lang="en-US" dirty="0" smtClean="0"/>
+              <a:t> </a:t>
+            </a:r>
+            <a:r>
+              <a:rPr lang="en-US" dirty="0" err="1" smtClean="0"/>
+              <a:t>paginas</a:t>
+            </a:r>
+            <a:r>
+              <a:rPr lang="en-US" dirty="0" smtClean="0"/>
+              <a:t> son </a:t>
+            </a:r>
+            <a:r>
+              <a:rPr lang="en-US" dirty="0" err="1" smtClean="0"/>
+              <a:t>iguales</a:t>
+            </a:r>
+            <a:r>
+              <a:rPr lang="en-US" dirty="0" smtClean="0"/>
+              <a:t> </a:t>
+            </a:r>
+            <a:r>
+              <a:rPr lang="en-US" dirty="0" err="1" smtClean="0"/>
+              <a:t>por</a:t>
+            </a:r>
+            <a:r>
+              <a:rPr lang="en-US" dirty="0" smtClean="0"/>
+              <a:t> lo </a:t>
+            </a:r>
+            <a:r>
+              <a:rPr lang="en-US" dirty="0" err="1" smtClean="0"/>
+              <a:t>que</a:t>
+            </a:r>
+            <a:r>
+              <a:rPr lang="en-US" dirty="0" smtClean="0"/>
+              <a:t> </a:t>
+            </a:r>
+            <a:r>
+              <a:rPr lang="en-US" dirty="0" err="1" smtClean="0"/>
+              <a:t>podemos</a:t>
+            </a:r>
+            <a:r>
+              <a:rPr lang="en-US" dirty="0" smtClean="0"/>
+              <a:t> </a:t>
+            </a:r>
+            <a:r>
+              <a:rPr lang="en-US" dirty="0" err="1" smtClean="0"/>
+              <a:t>identificarlos</a:t>
+            </a:r>
+            <a:r>
+              <a:rPr lang="en-US" dirty="0" smtClean="0"/>
+              <a:t> </a:t>
+            </a:r>
+            <a:r>
+              <a:rPr lang="en-US" dirty="0" err="1" smtClean="0"/>
+              <a:t>así</a:t>
+            </a:r>
+            <a:endParaRPr lang="en-US" dirty="0" smtClean="0"/>
+          </a:p>
+          <a:p>
+            <a:r>
+              <a:rPr lang="en-US" dirty="0" smtClean="0"/>
+              <a:t>&lt;h3 class=“</a:t>
+            </a:r>
+            <a:r>
+              <a:rPr lang="en-US" dirty="0" err="1" smtClean="0"/>
+              <a:t>subtitulo</a:t>
+            </a:r>
+            <a:r>
+              <a:rPr lang="en-US" dirty="0" smtClean="0"/>
+              <a:t>”&gt;</a:t>
+            </a:r>
+            <a:r>
+              <a:rPr lang="en-US" dirty="0" err="1" smtClean="0"/>
+              <a:t>Mi</a:t>
+            </a:r>
+            <a:r>
+              <a:rPr lang="en-US" dirty="0" smtClean="0"/>
+              <a:t> </a:t>
+            </a:r>
+            <a:r>
+              <a:rPr lang="en-US" dirty="0" err="1" smtClean="0"/>
+              <a:t>musica</a:t>
+            </a:r>
+            <a:r>
+              <a:rPr lang="en-US" dirty="0" smtClean="0"/>
+              <a:t> </a:t>
+            </a:r>
+            <a:r>
+              <a:rPr lang="en-US" dirty="0" err="1" smtClean="0"/>
+              <a:t>favorita</a:t>
+            </a:r>
+            <a:r>
+              <a:rPr lang="en-US" dirty="0" smtClean="0"/>
+              <a:t>&lt;/h3&gt;</a:t>
+            </a:r>
+          </a:p>
+          <a:p>
+            <a:r>
+              <a:rPr lang="en-US" dirty="0"/>
+              <a:t>&lt;h3 class=“</a:t>
+            </a:r>
+            <a:r>
+              <a:rPr lang="en-US" dirty="0" err="1"/>
+              <a:t>subtitulo</a:t>
+            </a:r>
+            <a:r>
+              <a:rPr lang="en-US" dirty="0"/>
+              <a:t>”&gt;</a:t>
+            </a:r>
+            <a:r>
+              <a:rPr lang="en-US" dirty="0" err="1"/>
+              <a:t>Mi</a:t>
+            </a:r>
+            <a:r>
+              <a:rPr lang="en-US" dirty="0"/>
+              <a:t> </a:t>
+            </a:r>
+            <a:r>
+              <a:rPr lang="en-US" dirty="0" err="1" smtClean="0"/>
+              <a:t>libro</a:t>
+            </a:r>
+            <a:r>
+              <a:rPr lang="en-US" dirty="0" smtClean="0"/>
+              <a:t> </a:t>
+            </a:r>
+            <a:r>
+              <a:rPr lang="en-US" dirty="0" err="1" smtClean="0"/>
+              <a:t>favorito</a:t>
+            </a:r>
+            <a:r>
+              <a:rPr lang="en-US" dirty="0" smtClean="0"/>
+              <a:t>&lt;/</a:t>
+            </a:r>
+            <a:r>
+              <a:rPr lang="en-US" dirty="0"/>
+              <a:t>h3&gt;</a:t>
+            </a:r>
+          </a:p>
+          <a:p>
+            <a:pPr marL="0" indent="0">
+              <a:buNone/>
+            </a:pPr>
+            <a:endParaRPr lang="en-US" dirty="0"/>
+          </a:p>
+        </p:txBody>
+      </p:sp>
+    </p:spTree>
+    <p:extLst>
+      <p:ext uri="{BB962C8B-B14F-4D97-AF65-F5344CB8AC3E}">
+        <p14:creationId xmlns:p14="http://schemas.microsoft.com/office/powerpoint/2010/main" val="252045329"/>
+      </p:ext>
+    </p:extLst>
+  </p:cSld>
+  <p:clrMapOvr>
+    <a:masterClrMapping/>
+  </p:clrMapOvr>
+  <p:timing>
+    <p:tnLst>
+      <p:par>
+        <p:cTn id="1" dur="indefinite" restart="never" nodeType="tmRoot">
+          <p:childTnLst>
+            <p:seq concurrent="1" nextAc="seek">
+              <p:cTn id="2" dur="indefinite" nodeType="mainSeq">
+                <p:childTnLst>
+                  <p:par>
+                    <p:cTn id="3" fill="hold">
+                      <p:stCondLst>
+                        <p:cond delay="indefinite"/>
+                      </p:stCondLst>
+                      <p:childTnLst>
+                        <p:par>
+                          <p:cTn id="4" fill="hold">
+                            <p:stCondLst>
+                              <p:cond delay="0"/>
+                            </p:stCondLst>
+                            <p:childTnLst>
+                              <p:par>
+                                <p:cTn id="5" presetID="1" presetClass="entr" presetSubtype="0" fill="hold" nodeType="clickEffect">
+                                  <p:stCondLst>
+                                    <p:cond delay="0"/>
+                                  </p:stCondLst>
+                                  <p:childTnLst>
+                                    <p:set>
+                                      <p:cBhvr>
+                                        <p:cTn id="6" dur="1" fill="hold">
+                                          <p:stCondLst>
+                                            <p:cond delay="0"/>
+                                          </p:stCondLst>
+                                        </p:cTn>
+                                        <p:tgtEl>
+                                          <p:spTgt spid="3">
+                                            <p:txEl>
+                                              <p:pRg st="0" end="0"/>
+                                            </p:txEl>
+                                          </p:spTgt>
+                                        </p:tgtEl>
+                                        <p:attrNameLst>
+                                          <p:attrName>style.visibility</p:attrName>
+                                        </p:attrNameLst>
+                                      </p:cBhvr>
+                                      <p:to>
+                                        <p:strVal val="visible"/>
+                                      </p:to>
+                                    </p:set>
+                                  </p:childTnLst>
+                                </p:cTn>
+                              </p:par>
+                            </p:childTnLst>
+                          </p:cTn>
+                        </p:par>
+                      </p:childTnLst>
+                    </p:cTn>
+                  </p:par>
+                  <p:par>
+                    <p:cTn id="7" fill="hold">
+                      <p:stCondLst>
+                        <p:cond delay="indefinite"/>
+                      </p:stCondLst>
+                      <p:childTnLst>
+                        <p:par>
+                          <p:cTn id="8" fill="hold">
+                            <p:stCondLst>
+                              <p:cond delay="0"/>
+                            </p:stCondLst>
+                            <p:childTnLst>
+                              <p:par>
+                                <p:cTn id="9" presetID="1" presetClass="entr" presetSubtype="0" fill="hold" nodeType="clickEffect">
+                                  <p:stCondLst>
+                                    <p:cond delay="0"/>
+                                  </p:stCondLst>
+                                  <p:childTnLst>
+                                    <p:set>
+                                      <p:cBhvr>
+                                        <p:cTn id="10" dur="1" fill="hold">
+                                          <p:stCondLst>
+                                            <p:cond delay="0"/>
+                                          </p:stCondLst>
+                                        </p:cTn>
+                                        <p:tgtEl>
+                                          <p:spTgt spid="3">
+                                            <p:txEl>
+                                              <p:pRg st="1" end="1"/>
+                                            </p:txEl>
+                                          </p:spTgt>
+                                        </p:tgtEl>
+                                        <p:attrNameLst>
+                                          <p:attrName>style.visibility</p:attrName>
+                                        </p:attrNameLst>
+                                      </p:cBhvr>
+                                      <p:to>
+                                        <p:strVal val="visible"/>
+                                      </p:to>
+                                    </p:set>
+                                  </p:childTnLst>
+                                </p:cTn>
+                              </p:par>
+                              <p:par>
+                                <p:cTn id="11" presetID="1" presetClass="entr" presetSubtype="0" fill="hold" nodeType="withEffect">
+                                  <p:stCondLst>
+                                    <p:cond delay="0"/>
+                                  </p:stCondLst>
+                                  <p:childTnLst>
+                                    <p:set>
+                                      <p:cBhvr>
+                                        <p:cTn id="12" dur="1" fill="hold">
+                                          <p:stCondLst>
+                                            <p:cond delay="0"/>
+                                          </p:stCondLst>
+                                        </p:cTn>
+                                        <p:tgtEl>
+                                          <p:spTgt spid="3">
+                                            <p:txEl>
+                                              <p:pRg st="2" end="2"/>
+                                            </p:txEl>
+                                          </p:spTgt>
+                                        </p:tgtEl>
+                                        <p:attrNameLst>
+                                          <p:attrName>style.visibility</p:attrName>
+                                        </p:attrNameLst>
+                                      </p:cBhvr>
+                                      <p:to>
+                                        <p:strVal val="visible"/>
+                                      </p:to>
+                                    </p:set>
+                                  </p:childTnLst>
+                                </p:cTn>
+                              </p:par>
+                              <p:par>
+                                <p:cTn id="13" presetID="1" presetClass="entr" presetSubtype="0" fill="hold" nodeType="withEffect">
+                                  <p:stCondLst>
+                                    <p:cond delay="0"/>
+                                  </p:stCondLst>
+                                  <p:childTnLst>
+                                    <p:set>
+                                      <p:cBhvr>
+                                        <p:cTn id="14" dur="1" fill="hold">
+                                          <p:stCondLst>
+                                            <p:cond delay="0"/>
+                                          </p:stCondLst>
+                                        </p:cTn>
+                                        <p:tgtEl>
+                                          <p:spTgt spid="3">
+                                            <p:txEl>
+                                              <p:pRg st="3" end="3"/>
+                                            </p:txEl>
+                                          </p:spTgt>
+                                        </p:tgtEl>
+                                        <p:attrNameLst>
+                                          <p:attrName>style.visibility</p:attrName>
+                                        </p:attrNameLst>
+                                      </p:cBhvr>
+                                      <p:to>
+                                        <p:strVal val="visible"/>
+                                      </p:to>
+                                    </p:set>
+                                  </p:childTnLst>
+                                </p:cTn>
+                              </p:par>
+                            </p:childTnLst>
+                          </p:cTn>
+                        </p:par>
+                      </p:childTnLst>
+                    </p:cTn>
+                  </p:par>
+                </p:childTnLst>
+              </p:cTn>
+              <p:prevCondLst>
+                <p:cond evt="onPrev" delay="0">
+                  <p:tgtEl>
+                    <p:sldTgt/>
+                  </p:tgtEl>
+                </p:cond>
+              </p:prevCondLst>
+              <p:nextCondLst>
+                <p:cond evt="onNext" delay="0">
+                  <p:tgtEl>
+                    <p:sldTgt/>
+                  </p:tgtEl>
+                </p:cond>
+              </p:nextCondLst>
+            </p:seq>
+          </p:childTnLst>
+        </p:cTn>
+      </p:par>
+    </p:tnLst>
+  </p:timing>
+</p:sld>
+</file>
+
+<file path=ppt/slides/slide13.xml><?xml version="1.0" encoding="utf-8"?>
+<p:sld xmlns:a="http://schemas.openxmlformats.org/drawingml/2006/main" xmlns:r="http://schemas.openxmlformats.org/officeDocument/2006/relationships" xmlns:p="http://schemas.openxmlformats.org/presentationml/2006/main">
+  <p:cSld>
+    <p:spTree>
+      <p:nvGrpSpPr>
+        <p:cNvPr id="1" name=""/>
+        <p:cNvGrpSpPr/>
+        <p:nvPr/>
+      </p:nvGrpSpPr>
+      <p:grpSpPr>
+        <a:xfrm>
+          <a:off x="0" y="0"/>
+          <a:ext cx="0" cy="0"/>
+          <a:chOff x="0" y="0"/>
+          <a:chExt cx="0" cy="0"/>
+        </a:xfrm>
+      </p:grpSpPr>
+      <p:sp>
+        <p:nvSpPr>
+          <p:cNvPr id="2" name="Title 1"/>
+          <p:cNvSpPr>
+            <a:spLocks noGrp="1"/>
+          </p:cNvSpPr>
+          <p:nvPr>
+            <p:ph type="title"/>
+          </p:nvPr>
+        </p:nvSpPr>
+        <p:spPr/>
+        <p:txBody>
+          <a:bodyPr/>
+          <a:lstStyle/>
+          <a:p>
+            <a:r>
+              <a:rPr lang="en-US" dirty="0" smtClean="0"/>
+              <a:t>CSS</a:t>
+            </a:r>
+            <a:endParaRPr lang="en-US" dirty="0"/>
+          </a:p>
+        </p:txBody>
+      </p:sp>
+      <p:sp>
+        <p:nvSpPr>
+          <p:cNvPr id="3" name="Content Placeholder 2"/>
+          <p:cNvSpPr>
+            <a:spLocks noGrp="1"/>
+          </p:cNvSpPr>
+          <p:nvPr>
+            <p:ph idx="1"/>
+          </p:nvPr>
+        </p:nvSpPr>
+        <p:spPr/>
+        <p:txBody>
+          <a:bodyPr/>
+          <a:lstStyle/>
+          <a:p>
+            <a:r>
+              <a:rPr lang="en-US" dirty="0" smtClean="0"/>
+              <a:t>Para </a:t>
+            </a:r>
+            <a:r>
+              <a:rPr lang="en-US" dirty="0" err="1" smtClean="0"/>
+              <a:t>darle</a:t>
+            </a:r>
+            <a:r>
+              <a:rPr lang="en-US" dirty="0" smtClean="0"/>
+              <a:t> </a:t>
+            </a:r>
+            <a:r>
+              <a:rPr lang="en-US" dirty="0" err="1" smtClean="0"/>
+              <a:t>estilo</a:t>
+            </a:r>
+            <a:r>
+              <a:rPr lang="en-US" dirty="0" smtClean="0"/>
+              <a:t> a la </a:t>
+            </a:r>
+            <a:r>
+              <a:rPr lang="en-US" dirty="0" err="1" smtClean="0"/>
+              <a:t>página</a:t>
+            </a:r>
+            <a:r>
+              <a:rPr lang="en-US" dirty="0" smtClean="0"/>
+              <a:t>, </a:t>
+            </a:r>
+            <a:r>
+              <a:rPr lang="en-US" dirty="0" err="1" smtClean="0"/>
+              <a:t>necesitamos</a:t>
+            </a:r>
+            <a:r>
+              <a:rPr lang="en-US" dirty="0" smtClean="0"/>
+              <a:t> </a:t>
+            </a:r>
+            <a:r>
+              <a:rPr lang="en-US" dirty="0" err="1" smtClean="0"/>
+              <a:t>crear</a:t>
+            </a:r>
+            <a:r>
+              <a:rPr lang="en-US" dirty="0" smtClean="0"/>
+              <a:t> un </a:t>
+            </a:r>
+            <a:r>
+              <a:rPr lang="en-US" dirty="0" err="1" smtClean="0"/>
+              <a:t>archivo</a:t>
+            </a:r>
+            <a:r>
+              <a:rPr lang="en-US" dirty="0" smtClean="0"/>
+              <a:t> </a:t>
+            </a:r>
+            <a:r>
+              <a:rPr lang="en-US" dirty="0" err="1" smtClean="0"/>
+              <a:t>que</a:t>
+            </a:r>
+            <a:r>
+              <a:rPr lang="en-US" dirty="0" smtClean="0"/>
+              <a:t> .</a:t>
+            </a:r>
+            <a:r>
+              <a:rPr lang="en-US" dirty="0" err="1" smtClean="0"/>
+              <a:t>css</a:t>
+            </a:r>
+            <a:endParaRPr lang="en-US" dirty="0"/>
+          </a:p>
+          <a:p>
+            <a:r>
+              <a:rPr lang="en-US" dirty="0" smtClean="0"/>
+              <a:t>En Sublime </a:t>
+            </a:r>
+            <a:r>
+              <a:rPr lang="en-US" dirty="0" err="1" smtClean="0"/>
+              <a:t>podemos</a:t>
+            </a:r>
+            <a:r>
+              <a:rPr lang="en-US" dirty="0" smtClean="0"/>
+              <a:t> </a:t>
+            </a:r>
+            <a:r>
+              <a:rPr lang="en-US" dirty="0" err="1" smtClean="0"/>
+              <a:t>crearlo</a:t>
+            </a:r>
+            <a:r>
+              <a:rPr lang="en-US" dirty="0" smtClean="0"/>
+              <a:t> </a:t>
+            </a:r>
+            <a:r>
+              <a:rPr lang="en-US" dirty="0" err="1" smtClean="0"/>
+              <a:t>facilmente</a:t>
+            </a:r>
+            <a:r>
+              <a:rPr lang="en-US" dirty="0" smtClean="0"/>
+              <a:t>, </a:t>
+            </a:r>
+            <a:r>
+              <a:rPr lang="en-US" dirty="0" err="1" smtClean="0"/>
+              <a:t>por</a:t>
+            </a:r>
+            <a:r>
+              <a:rPr lang="en-US" dirty="0" smtClean="0"/>
+              <a:t> </a:t>
+            </a:r>
+            <a:r>
+              <a:rPr lang="en-US" dirty="0" err="1" smtClean="0"/>
+              <a:t>ejemplo</a:t>
+            </a:r>
+            <a:r>
+              <a:rPr lang="en-US" dirty="0" smtClean="0"/>
+              <a:t>, en </a:t>
+            </a:r>
+            <a:r>
+              <a:rPr lang="en-US" dirty="0" err="1" smtClean="0"/>
+              <a:t>nuestro</a:t>
+            </a:r>
+            <a:r>
+              <a:rPr lang="en-US" dirty="0" smtClean="0"/>
+              <a:t> </a:t>
+            </a:r>
+            <a:r>
+              <a:rPr lang="en-US" dirty="0" err="1" smtClean="0"/>
+              <a:t>proyecto</a:t>
+            </a:r>
+            <a:r>
+              <a:rPr lang="en-US" dirty="0" smtClean="0"/>
+              <a:t>, </a:t>
+            </a:r>
+            <a:r>
+              <a:rPr lang="en-US" dirty="0" err="1" smtClean="0"/>
+              <a:t>podemos</a:t>
+            </a:r>
+            <a:r>
+              <a:rPr lang="en-US" dirty="0" smtClean="0"/>
+              <a:t> </a:t>
+            </a:r>
+            <a:r>
+              <a:rPr lang="en-US" dirty="0" err="1" smtClean="0"/>
+              <a:t>crear</a:t>
+            </a:r>
+            <a:r>
+              <a:rPr lang="en-US" dirty="0" smtClean="0"/>
+              <a:t> un </a:t>
+            </a:r>
+            <a:r>
+              <a:rPr lang="en-US" dirty="0" err="1" smtClean="0"/>
+              <a:t>archivo</a:t>
+            </a:r>
+            <a:r>
+              <a:rPr lang="en-US" dirty="0" smtClean="0"/>
+              <a:t> </a:t>
+            </a:r>
+            <a:r>
+              <a:rPr lang="en-US" dirty="0" err="1" smtClean="0"/>
+              <a:t>llamado</a:t>
+            </a:r>
+            <a:r>
+              <a:rPr lang="en-US" dirty="0" smtClean="0"/>
+              <a:t> tablas.css </a:t>
+            </a:r>
+            <a:r>
+              <a:rPr lang="en-US" dirty="0" err="1" smtClean="0"/>
+              <a:t>dentro</a:t>
+            </a:r>
+            <a:r>
+              <a:rPr lang="en-US" dirty="0" smtClean="0"/>
+              <a:t> de la </a:t>
+            </a:r>
+            <a:r>
+              <a:rPr lang="en-US" dirty="0" err="1" smtClean="0"/>
+              <a:t>carpeta</a:t>
+            </a:r>
+            <a:r>
+              <a:rPr lang="en-US" dirty="0" smtClean="0"/>
+              <a:t> de </a:t>
+            </a:r>
+            <a:r>
+              <a:rPr lang="en-US" dirty="0" err="1" smtClean="0"/>
+              <a:t>css</a:t>
+            </a:r>
+            <a:r>
+              <a:rPr lang="en-US" dirty="0" smtClean="0"/>
+              <a:t> </a:t>
+            </a:r>
+            <a:r>
+              <a:rPr lang="en-US" dirty="0" err="1" smtClean="0"/>
+              <a:t>para</a:t>
+            </a:r>
+            <a:r>
+              <a:rPr lang="en-US" dirty="0" smtClean="0"/>
+              <a:t> </a:t>
+            </a:r>
+            <a:r>
+              <a:rPr lang="en-US" dirty="0" err="1" smtClean="0"/>
+              <a:t>darle</a:t>
+            </a:r>
+            <a:r>
+              <a:rPr lang="en-US" dirty="0" smtClean="0"/>
+              <a:t> </a:t>
+            </a:r>
+            <a:r>
+              <a:rPr lang="en-US" dirty="0" err="1" smtClean="0"/>
+              <a:t>estilo</a:t>
+            </a:r>
+            <a:r>
+              <a:rPr lang="en-US" dirty="0" smtClean="0"/>
+              <a:t> a </a:t>
+            </a:r>
+            <a:r>
+              <a:rPr lang="en-US" dirty="0" err="1" smtClean="0"/>
+              <a:t>nuestra</a:t>
+            </a:r>
+            <a:r>
+              <a:rPr lang="en-US" dirty="0" smtClean="0"/>
+              <a:t> </a:t>
+            </a:r>
+            <a:r>
+              <a:rPr lang="en-US" dirty="0" err="1" smtClean="0"/>
+              <a:t>tabla</a:t>
+            </a:r>
+            <a:r>
+              <a:rPr lang="en-US" dirty="0" smtClean="0"/>
+              <a:t>.</a:t>
+            </a:r>
+          </a:p>
+          <a:p>
+            <a:r>
+              <a:rPr lang="en-US" dirty="0" smtClean="0"/>
+              <a:t>Para </a:t>
+            </a:r>
+            <a:r>
+              <a:rPr lang="en-US" dirty="0" err="1" smtClean="0"/>
+              <a:t>que</a:t>
+            </a:r>
+            <a:r>
+              <a:rPr lang="en-US" dirty="0" smtClean="0"/>
+              <a:t> el HTML </a:t>
+            </a:r>
+            <a:r>
+              <a:rPr lang="en-US" dirty="0" err="1" smtClean="0"/>
+              <a:t>sepa</a:t>
+            </a:r>
+            <a:r>
+              <a:rPr lang="en-US" dirty="0" smtClean="0"/>
+              <a:t> </a:t>
+            </a:r>
+            <a:r>
+              <a:rPr lang="en-US" dirty="0" err="1" smtClean="0"/>
+              <a:t>que</a:t>
+            </a:r>
+            <a:r>
+              <a:rPr lang="en-US" dirty="0" smtClean="0"/>
+              <a:t> </a:t>
+            </a:r>
+            <a:r>
+              <a:rPr lang="en-US" dirty="0" err="1" smtClean="0"/>
+              <a:t>tiene</a:t>
+            </a:r>
+            <a:r>
+              <a:rPr lang="en-US" dirty="0" smtClean="0"/>
+              <a:t> </a:t>
+            </a:r>
+            <a:r>
+              <a:rPr lang="en-US" dirty="0" err="1" smtClean="0"/>
+              <a:t>que</a:t>
+            </a:r>
+            <a:r>
+              <a:rPr lang="en-US" dirty="0" smtClean="0"/>
+              <a:t> </a:t>
+            </a:r>
+            <a:r>
+              <a:rPr lang="en-US" dirty="0" err="1" smtClean="0"/>
+              <a:t>buscar</a:t>
+            </a:r>
+            <a:r>
+              <a:rPr lang="en-US" dirty="0" smtClean="0"/>
+              <a:t> el </a:t>
+            </a:r>
+            <a:r>
+              <a:rPr lang="en-US" dirty="0" err="1" smtClean="0"/>
+              <a:t>estilo</a:t>
+            </a:r>
+            <a:r>
+              <a:rPr lang="en-US" dirty="0" smtClean="0"/>
+              <a:t> en un </a:t>
+            </a:r>
+            <a:r>
+              <a:rPr lang="en-US" dirty="0" err="1" smtClean="0"/>
+              <a:t>archivo</a:t>
+            </a:r>
+            <a:r>
+              <a:rPr lang="en-US" dirty="0" smtClean="0"/>
+              <a:t> </a:t>
+            </a:r>
+            <a:r>
+              <a:rPr lang="en-US" dirty="0" err="1" smtClean="0"/>
+              <a:t>css</a:t>
+            </a:r>
+            <a:r>
+              <a:rPr lang="en-US" dirty="0" smtClean="0"/>
+              <a:t>, se pone en el </a:t>
+            </a:r>
+            <a:r>
+              <a:rPr lang="en-US" dirty="0" err="1" smtClean="0"/>
+              <a:t>elemento</a:t>
+            </a:r>
+            <a:r>
+              <a:rPr lang="en-US" dirty="0" smtClean="0"/>
+              <a:t> head </a:t>
+            </a:r>
+            <a:r>
+              <a:rPr lang="en-US" dirty="0" err="1" smtClean="0"/>
+              <a:t>esta</a:t>
+            </a:r>
+            <a:r>
+              <a:rPr lang="en-US" dirty="0" smtClean="0"/>
+              <a:t> </a:t>
+            </a:r>
+            <a:r>
+              <a:rPr lang="en-US" dirty="0" err="1" smtClean="0"/>
+              <a:t>línea</a:t>
+            </a:r>
+            <a:endParaRPr lang="en-US" dirty="0" smtClean="0"/>
+          </a:p>
+          <a:p>
+            <a:r>
+              <a:rPr lang="en-US" dirty="0"/>
+              <a:t>&lt;link </a:t>
+            </a:r>
+            <a:r>
+              <a:rPr lang="en-US" dirty="0" err="1"/>
+              <a:t>rel</a:t>
+            </a:r>
+            <a:r>
+              <a:rPr lang="en-US" dirty="0"/>
+              <a:t>="</a:t>
+            </a:r>
+            <a:r>
+              <a:rPr lang="en-US" dirty="0" err="1"/>
+              <a:t>stylesheet</a:t>
+            </a:r>
+            <a:r>
+              <a:rPr lang="en-US" dirty="0"/>
+              <a:t>" </a:t>
+            </a:r>
+            <a:r>
+              <a:rPr lang="en-US" dirty="0" err="1"/>
+              <a:t>href</a:t>
+            </a:r>
+            <a:r>
+              <a:rPr lang="en-US" dirty="0"/>
+              <a:t>="</a:t>
+            </a:r>
+            <a:r>
+              <a:rPr lang="en-US" dirty="0" err="1"/>
+              <a:t>css</a:t>
+            </a:r>
+            <a:r>
+              <a:rPr lang="en-US" dirty="0"/>
+              <a:t>/tablas.css"&gt;</a:t>
+            </a:r>
+            <a:endParaRPr lang="en-US" dirty="0" smtClean="0"/>
+          </a:p>
+          <a:p>
+            <a:endParaRPr lang="en-US" dirty="0"/>
+          </a:p>
+        </p:txBody>
+      </p:sp>
+    </p:spTree>
+    <p:extLst>
+      <p:ext uri="{BB962C8B-B14F-4D97-AF65-F5344CB8AC3E}">
+        <p14:creationId xmlns:p14="http://schemas.microsoft.com/office/powerpoint/2010/main" val="536563451"/>
+      </p:ext>
+    </p:extLst>
+  </p:cSld>
+  <p:clrMapOvr>
+    <a:masterClrMapping/>
+  </p:clrMapOvr>
+  <p:timing>
+    <p:tnLst>
+      <p:par>
+        <p:cTn id="1" dur="indefinite" restart="never" nodeType="tmRoot">
+          <p:childTnLst>
+            <p:seq concurrent="1" nextAc="seek">
+              <p:cTn id="2" dur="indefinite" nodeType="mainSeq">
+                <p:childTnLst>
+                  <p:par>
+                    <p:cTn id="3" fill="hold">
+                      <p:stCondLst>
+                        <p:cond delay="indefinite"/>
+                      </p:stCondLst>
+                      <p:childTnLst>
+                        <p:par>
+                          <p:cTn id="4" fill="hold">
+                            <p:stCondLst>
+                              <p:cond delay="0"/>
+                            </p:stCondLst>
+                            <p:childTnLst>
+                              <p:par>
+                                <p:cTn id="5" presetID="1" presetClass="entr" presetSubtype="0" fill="hold" nodeType="clickEffect">
+                                  <p:stCondLst>
+                                    <p:cond delay="0"/>
+                                  </p:stCondLst>
+                                  <p:childTnLst>
+                                    <p:set>
+                                      <p:cBhvr>
+                                        <p:cTn id="6" dur="1" fill="hold">
+                                          <p:stCondLst>
+                                            <p:cond delay="0"/>
+                                          </p:stCondLst>
+                                        </p:cTn>
+                                        <p:tgtEl>
+                                          <p:spTgt spid="3">
+                                            <p:txEl>
+                                              <p:pRg st="0" end="0"/>
+                                            </p:txEl>
+                                          </p:spTgt>
+                                        </p:tgtEl>
+                                        <p:attrNameLst>
+                                          <p:attrName>style.visibility</p:attrName>
+                                        </p:attrNameLst>
+                                      </p:cBhvr>
+                                      <p:to>
+                                        <p:strVal val="visible"/>
+                                      </p:to>
+                                    </p:set>
+                                  </p:childTnLst>
+                                </p:cTn>
+                              </p:par>
+                            </p:childTnLst>
+                          </p:cTn>
+                        </p:par>
+                      </p:childTnLst>
+                    </p:cTn>
+                  </p:par>
+                  <p:par>
+                    <p:cTn id="7" fill="hold">
+                      <p:stCondLst>
+                        <p:cond delay="indefinite"/>
+                      </p:stCondLst>
+                      <p:childTnLst>
+                        <p:par>
+                          <p:cTn id="8" fill="hold">
+                            <p:stCondLst>
+                              <p:cond delay="0"/>
+                            </p:stCondLst>
+                            <p:childTnLst>
+                              <p:par>
+                                <p:cTn id="9" presetID="1" presetClass="entr" presetSubtype="0" fill="hold" nodeType="clickEffect">
+                                  <p:stCondLst>
+                                    <p:cond delay="0"/>
+                                  </p:stCondLst>
+                                  <p:childTnLst>
+                                    <p:set>
+                                      <p:cBhvr>
+                                        <p:cTn id="10" dur="1" fill="hold">
+                                          <p:stCondLst>
+                                            <p:cond delay="0"/>
+                                          </p:stCondLst>
+                                        </p:cTn>
+                                        <p:tgtEl>
+                                          <p:spTgt spid="3">
+                                            <p:txEl>
+                                              <p:pRg st="1" end="1"/>
+                                            </p:txEl>
+                                          </p:spTgt>
+                                        </p:tgtEl>
+                                        <p:attrNameLst>
+                                          <p:attrName>style.visibility</p:attrName>
+                                        </p:attrNameLst>
+                                      </p:cBhvr>
+                                      <p:to>
+                                        <p:strVal val="visible"/>
+                                      </p:to>
+                                    </p:set>
+                                  </p:childTnLst>
+                                </p:cTn>
+                              </p:par>
+                            </p:childTnLst>
+                          </p:cTn>
+                        </p:par>
+                      </p:childTnLst>
+                    </p:cTn>
+                  </p:par>
+                  <p:par>
+                    <p:cTn id="11" fill="hold">
+                      <p:stCondLst>
+                        <p:cond delay="indefinite"/>
+                      </p:stCondLst>
+                      <p:childTnLst>
+                        <p:par>
+                          <p:cTn id="12" fill="hold">
+                            <p:stCondLst>
+                              <p:cond delay="0"/>
+                            </p:stCondLst>
+                            <p:childTnLst>
+                              <p:par>
+                                <p:cTn id="13" presetID="1" presetClass="entr" presetSubtype="0" fill="hold" nodeType="clickEffect">
+                                  <p:stCondLst>
+                                    <p:cond delay="0"/>
+                                  </p:stCondLst>
+                                  <p:childTnLst>
+                                    <p:set>
+                                      <p:cBhvr>
+                                        <p:cTn id="14" dur="1" fill="hold">
+                                          <p:stCondLst>
+                                            <p:cond delay="0"/>
+                                          </p:stCondLst>
+                                        </p:cTn>
+                                        <p:tgtEl>
+                                          <p:spTgt spid="3">
+                                            <p:txEl>
+                                              <p:pRg st="2" end="2"/>
+                                            </p:txEl>
+                                          </p:spTgt>
+                                        </p:tgtEl>
+                                        <p:attrNameLst>
+                                          <p:attrName>style.visibility</p:attrName>
+                                        </p:attrNameLst>
+                                      </p:cBhvr>
+                                      <p:to>
+                                        <p:strVal val="visible"/>
+                                      </p:to>
+                                    </p:set>
+                                  </p:childTnLst>
+                                </p:cTn>
+                              </p:par>
+                            </p:childTnLst>
+                          </p:cTn>
+                        </p:par>
+                      </p:childTnLst>
+                    </p:cTn>
+                  </p:par>
+                  <p:par>
+                    <p:cTn id="15" fill="hold">
+                      <p:stCondLst>
+                        <p:cond delay="indefinite"/>
+                      </p:stCondLst>
+                      <p:childTnLst>
+                        <p:par>
+                          <p:cTn id="16" fill="hold">
+                            <p:stCondLst>
+                              <p:cond delay="0"/>
+                            </p:stCondLst>
+                            <p:childTnLst>
+                              <p:par>
+                                <p:cTn id="17" presetID="1" presetClass="entr" presetSubtype="0" fill="hold" nodeType="clickEffect">
+                                  <p:stCondLst>
+                                    <p:cond delay="0"/>
+                                  </p:stCondLst>
+                                  <p:childTnLst>
+                                    <p:set>
+                                      <p:cBhvr>
+                                        <p:cTn id="18" dur="1" fill="hold">
+                                          <p:stCondLst>
+                                            <p:cond delay="0"/>
+                                          </p:stCondLst>
+                                        </p:cTn>
+                                        <p:tgtEl>
+                                          <p:spTgt spid="3">
+                                            <p:txEl>
+                                              <p:pRg st="3" end="3"/>
+                                            </p:txEl>
+                                          </p:spTgt>
+                                        </p:tgtEl>
+                                        <p:attrNameLst>
+                                          <p:attrName>style.visibility</p:attrName>
+                                        </p:attrNameLst>
+                                      </p:cBhvr>
+                                      <p:to>
+                                        <p:strVal val="visible"/>
+                                      </p:to>
+                                    </p:set>
+                                  </p:childTnLst>
+                                </p:cTn>
+                              </p:par>
+                            </p:childTnLst>
+                          </p:cTn>
+                        </p:par>
+                      </p:childTnLst>
+                    </p:cTn>
+                  </p:par>
+                </p:childTnLst>
+              </p:cTn>
+              <p:prevCondLst>
+                <p:cond evt="onPrev" delay="0">
+                  <p:tgtEl>
+                    <p:sldTgt/>
+                  </p:tgtEl>
+                </p:cond>
+              </p:prevCondLst>
+              <p:nextCondLst>
+                <p:cond evt="onNext" delay="0">
+                  <p:tgtEl>
+                    <p:sldTgt/>
+                  </p:tgtEl>
+                </p:cond>
+              </p:nextCondLst>
+            </p:seq>
+          </p:childTnLst>
+        </p:cTn>
+      </p:par>
+    </p:tnLst>
+  </p:timing>
+</p:sld>
+</file>
+
+<file path=ppt/slides/slide14.xml><?xml version="1.0" encoding="utf-8"?>
+<p:sld xmlns:a="http://schemas.openxmlformats.org/drawingml/2006/main" xmlns:r="http://schemas.openxmlformats.org/officeDocument/2006/relationships" xmlns:p="http://schemas.openxmlformats.org/presentationml/2006/main">
+  <p:cSld>
+    <p:spTree>
+      <p:nvGrpSpPr>
+        <p:cNvPr id="1" name=""/>
+        <p:cNvGrpSpPr/>
+        <p:nvPr/>
+      </p:nvGrpSpPr>
+      <p:grpSpPr>
+        <a:xfrm>
+          <a:off x="0" y="0"/>
+          <a:ext cx="0" cy="0"/>
+          <a:chOff x="0" y="0"/>
+          <a:chExt cx="0" cy="0"/>
+        </a:xfrm>
+      </p:grpSpPr>
+      <p:sp>
+        <p:nvSpPr>
+          <p:cNvPr id="2" name="Title 1"/>
+          <p:cNvSpPr>
+            <a:spLocks noGrp="1"/>
+          </p:cNvSpPr>
+          <p:nvPr>
+            <p:ph type="title"/>
+          </p:nvPr>
+        </p:nvSpPr>
+        <p:spPr/>
+        <p:txBody>
+          <a:bodyPr/>
+          <a:lstStyle/>
+          <a:p>
+            <a:r>
+              <a:rPr lang="en-US" dirty="0" smtClean="0"/>
+              <a:t>CSS</a:t>
+            </a:r>
+            <a:endParaRPr lang="en-US" dirty="0"/>
+          </a:p>
+        </p:txBody>
+      </p:sp>
+      <p:sp>
+        <p:nvSpPr>
+          <p:cNvPr id="3" name="Content Placeholder 2"/>
+          <p:cNvSpPr>
+            <a:spLocks noGrp="1"/>
+          </p:cNvSpPr>
+          <p:nvPr>
+            <p:ph idx="1"/>
+          </p:nvPr>
+        </p:nvSpPr>
+        <p:spPr/>
+        <p:txBody>
+          <a:bodyPr>
+            <a:normAutofit/>
+          </a:bodyPr>
+          <a:lstStyle/>
+          <a:p>
+            <a:r>
+              <a:rPr lang="en-US" dirty="0" err="1" smtClean="0"/>
+              <a:t>Una</a:t>
+            </a:r>
+            <a:r>
+              <a:rPr lang="en-US" dirty="0" smtClean="0"/>
+              <a:t> </a:t>
+            </a:r>
+            <a:r>
+              <a:rPr lang="en-US" dirty="0" err="1" smtClean="0"/>
+              <a:t>vez</a:t>
+            </a:r>
+            <a:r>
+              <a:rPr lang="en-US" dirty="0" smtClean="0"/>
+              <a:t> </a:t>
+            </a:r>
+            <a:r>
+              <a:rPr lang="en-US" dirty="0" err="1" smtClean="0"/>
+              <a:t>que</a:t>
+            </a:r>
+            <a:r>
+              <a:rPr lang="en-US" dirty="0" smtClean="0"/>
+              <a:t> </a:t>
+            </a:r>
+            <a:r>
+              <a:rPr lang="en-US" dirty="0" err="1" smtClean="0"/>
+              <a:t>tengamos</a:t>
+            </a:r>
+            <a:r>
+              <a:rPr lang="en-US" dirty="0" smtClean="0"/>
+              <a:t> el </a:t>
+            </a:r>
+            <a:r>
+              <a:rPr lang="en-US" dirty="0" err="1" smtClean="0"/>
+              <a:t>archivo</a:t>
+            </a:r>
+            <a:r>
+              <a:rPr lang="en-US" dirty="0" smtClean="0"/>
+              <a:t> y </a:t>
+            </a:r>
+            <a:r>
+              <a:rPr lang="en-US" dirty="0" err="1" smtClean="0"/>
+              <a:t>esté</a:t>
+            </a:r>
+            <a:r>
+              <a:rPr lang="en-US" dirty="0" smtClean="0"/>
+              <a:t> </a:t>
+            </a:r>
+            <a:r>
+              <a:rPr lang="en-US" dirty="0" err="1" smtClean="0"/>
+              <a:t>ligado</a:t>
+            </a:r>
+            <a:r>
+              <a:rPr lang="en-US" dirty="0" smtClean="0"/>
+              <a:t> al HTML </a:t>
+            </a:r>
+            <a:r>
+              <a:rPr lang="en-US" dirty="0" err="1" smtClean="0"/>
+              <a:t>podemos</a:t>
+            </a:r>
+            <a:r>
+              <a:rPr lang="en-US" dirty="0" smtClean="0"/>
+              <a:t> </a:t>
+            </a:r>
+            <a:r>
+              <a:rPr lang="en-US" dirty="0" err="1" smtClean="0"/>
+              <a:t>empezar</a:t>
+            </a:r>
+            <a:r>
+              <a:rPr lang="en-US" dirty="0" smtClean="0"/>
+              <a:t> a </a:t>
+            </a:r>
+            <a:r>
+              <a:rPr lang="en-US" dirty="0" err="1" smtClean="0"/>
+              <a:t>dar</a:t>
+            </a:r>
+            <a:r>
+              <a:rPr lang="en-US" dirty="0" smtClean="0"/>
+              <a:t> </a:t>
+            </a:r>
+            <a:r>
+              <a:rPr lang="en-US" dirty="0" err="1" smtClean="0"/>
+              <a:t>estilo</a:t>
+            </a:r>
+            <a:r>
+              <a:rPr lang="en-US" dirty="0" smtClean="0"/>
+              <a:t> a </a:t>
+            </a:r>
+            <a:r>
+              <a:rPr lang="en-US" dirty="0" err="1" smtClean="0"/>
+              <a:t>nuestra</a:t>
+            </a:r>
+            <a:r>
+              <a:rPr lang="en-US" dirty="0" smtClean="0"/>
+              <a:t> </a:t>
+            </a:r>
+            <a:r>
+              <a:rPr lang="en-US" dirty="0" err="1" smtClean="0"/>
+              <a:t>página</a:t>
+            </a:r>
+            <a:r>
+              <a:rPr lang="en-US" dirty="0" smtClean="0"/>
+              <a:t>. </a:t>
+            </a:r>
+            <a:endParaRPr lang="en-US" dirty="0"/>
+          </a:p>
+          <a:p>
+            <a:r>
+              <a:rPr lang="en-US" dirty="0" smtClean="0"/>
+              <a:t>Para </a:t>
+            </a:r>
+            <a:r>
+              <a:rPr lang="en-US" dirty="0" err="1" smtClean="0"/>
+              <a:t>poner</a:t>
+            </a:r>
+            <a:r>
+              <a:rPr lang="en-US" dirty="0" smtClean="0"/>
+              <a:t> </a:t>
+            </a:r>
+            <a:r>
+              <a:rPr lang="en-US" dirty="0" err="1" smtClean="0"/>
+              <a:t>estilo</a:t>
+            </a:r>
+            <a:r>
+              <a:rPr lang="en-US" dirty="0" smtClean="0"/>
+              <a:t> </a:t>
+            </a:r>
+            <a:r>
+              <a:rPr lang="en-US" dirty="0" err="1" smtClean="0"/>
+              <a:t>debemos</a:t>
+            </a:r>
+            <a:r>
+              <a:rPr lang="en-US" dirty="0" smtClean="0"/>
+              <a:t> </a:t>
+            </a:r>
+            <a:r>
+              <a:rPr lang="en-US" dirty="0" err="1" smtClean="0"/>
+              <a:t>escribir</a:t>
+            </a:r>
+            <a:r>
+              <a:rPr lang="en-US" dirty="0" smtClean="0"/>
+              <a:t> </a:t>
+            </a:r>
+            <a:r>
+              <a:rPr lang="en-US" dirty="0" err="1" smtClean="0"/>
+              <a:t>las</a:t>
+            </a:r>
+            <a:r>
+              <a:rPr lang="en-US" dirty="0" smtClean="0"/>
+              <a:t> </a:t>
+            </a:r>
+            <a:r>
+              <a:rPr lang="en-US" dirty="0" err="1" smtClean="0"/>
+              <a:t>propiedades</a:t>
+            </a:r>
+            <a:r>
+              <a:rPr lang="en-US" dirty="0" smtClean="0"/>
+              <a:t> de </a:t>
+            </a:r>
+            <a:r>
+              <a:rPr lang="en-US" dirty="0" err="1" smtClean="0"/>
+              <a:t>cierta</a:t>
+            </a:r>
+            <a:r>
+              <a:rPr lang="en-US" dirty="0" smtClean="0"/>
+              <a:t> forma.</a:t>
+            </a:r>
+          </a:p>
+          <a:p>
+            <a:r>
+              <a:rPr lang="en-US" dirty="0" smtClean="0"/>
+              <a:t>Para </a:t>
+            </a:r>
+            <a:r>
+              <a:rPr lang="en-US" dirty="0" err="1" smtClean="0"/>
+              <a:t>ponerle</a:t>
+            </a:r>
+            <a:r>
+              <a:rPr lang="en-US" dirty="0" smtClean="0"/>
+              <a:t> </a:t>
+            </a:r>
+            <a:r>
+              <a:rPr lang="en-US" dirty="0" err="1" smtClean="0"/>
+              <a:t>estilo</a:t>
+            </a:r>
+            <a:r>
+              <a:rPr lang="en-US" dirty="0" smtClean="0"/>
+              <a:t> a un </a:t>
+            </a:r>
+            <a:r>
+              <a:rPr lang="en-US" dirty="0" err="1" smtClean="0"/>
+              <a:t>elemento</a:t>
+            </a:r>
+            <a:r>
+              <a:rPr lang="en-US" dirty="0" smtClean="0"/>
+              <a:t> </a:t>
+            </a:r>
+            <a:r>
+              <a:rPr lang="en-US" dirty="0" err="1" smtClean="0"/>
+              <a:t>usamos</a:t>
+            </a:r>
+            <a:r>
+              <a:rPr lang="en-US" dirty="0" smtClean="0"/>
+              <a:t> la </a:t>
+            </a:r>
+            <a:r>
+              <a:rPr lang="en-US" dirty="0" err="1" smtClean="0"/>
+              <a:t>siguiente</a:t>
+            </a:r>
+            <a:r>
+              <a:rPr lang="en-US" dirty="0" smtClean="0"/>
+              <a:t> </a:t>
+            </a:r>
+            <a:r>
+              <a:rPr lang="en-US" dirty="0" err="1" smtClean="0"/>
+              <a:t>sintaxis</a:t>
+            </a:r>
+            <a:endParaRPr lang="en-US" dirty="0" smtClean="0"/>
+          </a:p>
+          <a:p>
+            <a:r>
+              <a:rPr lang="en-US" dirty="0"/>
+              <a:t>p</a:t>
+            </a:r>
+            <a:r>
+              <a:rPr lang="en-US" dirty="0" smtClean="0"/>
+              <a:t>{</a:t>
+            </a:r>
+          </a:p>
+          <a:p>
+            <a:pPr lvl="1"/>
+            <a:r>
+              <a:rPr lang="en-US" dirty="0"/>
+              <a:t>t</a:t>
+            </a:r>
+            <a:r>
+              <a:rPr lang="en-US" dirty="0" smtClean="0"/>
+              <a:t>ext-align: center;</a:t>
+            </a:r>
+            <a:endParaRPr lang="en-US" dirty="0"/>
+          </a:p>
+          <a:p>
+            <a:r>
+              <a:rPr lang="en-US" dirty="0" smtClean="0"/>
+              <a:t>}</a:t>
+            </a:r>
+          </a:p>
+          <a:p>
+            <a:r>
+              <a:rPr lang="en-US" dirty="0" err="1" smtClean="0"/>
+              <a:t>Esto</a:t>
+            </a:r>
+            <a:r>
+              <a:rPr lang="en-US" dirty="0" smtClean="0"/>
+              <a:t> </a:t>
+            </a:r>
+            <a:r>
+              <a:rPr lang="en-US" dirty="0" err="1" smtClean="0"/>
+              <a:t>siginifica</a:t>
+            </a:r>
+            <a:r>
+              <a:rPr lang="en-US" dirty="0" smtClean="0"/>
+              <a:t> </a:t>
+            </a:r>
+            <a:r>
+              <a:rPr lang="en-US" dirty="0" err="1" smtClean="0"/>
+              <a:t>que</a:t>
+            </a:r>
+            <a:r>
+              <a:rPr lang="en-US" dirty="0" smtClean="0"/>
+              <a:t> </a:t>
+            </a:r>
+            <a:r>
+              <a:rPr lang="en-US" dirty="0" err="1" smtClean="0"/>
+              <a:t>todos</a:t>
+            </a:r>
+            <a:r>
+              <a:rPr lang="en-US" dirty="0" smtClean="0"/>
+              <a:t> los </a:t>
+            </a:r>
+            <a:r>
+              <a:rPr lang="en-US" dirty="0" err="1" smtClean="0"/>
+              <a:t>elementos</a:t>
+            </a:r>
+            <a:r>
+              <a:rPr lang="en-US" dirty="0" smtClean="0"/>
+              <a:t> p </a:t>
+            </a:r>
+            <a:r>
+              <a:rPr lang="en-US" dirty="0" err="1" smtClean="0"/>
+              <a:t>estarán</a:t>
+            </a:r>
+            <a:r>
+              <a:rPr lang="en-US" dirty="0" smtClean="0"/>
+              <a:t> </a:t>
+            </a:r>
+            <a:r>
+              <a:rPr lang="en-US" dirty="0" err="1" smtClean="0"/>
+              <a:t>centrados</a:t>
+            </a:r>
+            <a:r>
+              <a:rPr lang="en-US" dirty="0" smtClean="0"/>
+              <a:t>.</a:t>
+            </a:r>
+            <a:endParaRPr lang="en-US" dirty="0"/>
+          </a:p>
+        </p:txBody>
+      </p:sp>
+    </p:spTree>
+    <p:extLst>
+      <p:ext uri="{BB962C8B-B14F-4D97-AF65-F5344CB8AC3E}">
+        <p14:creationId xmlns:p14="http://schemas.microsoft.com/office/powerpoint/2010/main" val="253359145"/>
+      </p:ext>
+    </p:extLst>
+  </p:cSld>
+  <p:clrMapOvr>
+    <a:masterClrMapping/>
+  </p:clrMapOvr>
+  <p:timing>
+    <p:tnLst>
+      <p:par>
+        <p:cTn id="1" dur="indefinite" restart="never" nodeType="tmRoot">
+          <p:childTnLst>
+            <p:seq concurrent="1" nextAc="seek">
+              <p:cTn id="2" dur="indefinite" nodeType="mainSeq">
+                <p:childTnLst>
+                  <p:par>
+                    <p:cTn id="3" fill="hold">
+                      <p:stCondLst>
+                        <p:cond delay="indefinite"/>
+                      </p:stCondLst>
+                      <p:childTnLst>
+                        <p:par>
+                          <p:cTn id="4" fill="hold">
+                            <p:stCondLst>
+                              <p:cond delay="0"/>
+                            </p:stCondLst>
+                            <p:childTnLst>
+                              <p:par>
+                                <p:cTn id="5" presetID="1" presetClass="entr" presetSubtype="0" fill="hold" nodeType="clickEffect">
+                                  <p:stCondLst>
+                                    <p:cond delay="0"/>
+                                  </p:stCondLst>
+                                  <p:childTnLst>
+                                    <p:set>
+                                      <p:cBhvr>
+                                        <p:cTn id="6" dur="1" fill="hold">
+                                          <p:stCondLst>
+                                            <p:cond delay="0"/>
+                                          </p:stCondLst>
+                                        </p:cTn>
+                                        <p:tgtEl>
+                                          <p:spTgt spid="3">
+                                            <p:txEl>
+                                              <p:pRg st="0" end="0"/>
+                                            </p:txEl>
+                                          </p:spTgt>
+                                        </p:tgtEl>
+                                        <p:attrNameLst>
+                                          <p:attrName>style.visibility</p:attrName>
+                                        </p:attrNameLst>
+                                      </p:cBhvr>
+                                      <p:to>
+                                        <p:strVal val="visible"/>
+                                      </p:to>
+                                    </p:set>
+                                  </p:childTnLst>
+                                </p:cTn>
+                              </p:par>
+                            </p:childTnLst>
+                          </p:cTn>
+                        </p:par>
+                      </p:childTnLst>
+                    </p:cTn>
+                  </p:par>
+                  <p:par>
+                    <p:cTn id="7" fill="hold">
+                      <p:stCondLst>
+                        <p:cond delay="indefinite"/>
+                      </p:stCondLst>
+                      <p:childTnLst>
+                        <p:par>
+                          <p:cTn id="8" fill="hold">
+                            <p:stCondLst>
+                              <p:cond delay="0"/>
+                            </p:stCondLst>
+                            <p:childTnLst>
+                              <p:par>
+                                <p:cTn id="9" presetID="1" presetClass="entr" presetSubtype="0" fill="hold" nodeType="clickEffect">
+                                  <p:stCondLst>
+                                    <p:cond delay="0"/>
+                                  </p:stCondLst>
+                                  <p:childTnLst>
+                                    <p:set>
+                                      <p:cBhvr>
+                                        <p:cTn id="10" dur="1" fill="hold">
+                                          <p:stCondLst>
+                                            <p:cond delay="0"/>
+                                          </p:stCondLst>
+                                        </p:cTn>
+                                        <p:tgtEl>
+                                          <p:spTgt spid="3">
+                                            <p:txEl>
+                                              <p:pRg st="1" end="1"/>
+                                            </p:txEl>
+                                          </p:spTgt>
+                                        </p:tgtEl>
+                                        <p:attrNameLst>
+                                          <p:attrName>style.visibility</p:attrName>
+                                        </p:attrNameLst>
+                                      </p:cBhvr>
+                                      <p:to>
+                                        <p:strVal val="visible"/>
+                                      </p:to>
+                                    </p:set>
+                                  </p:childTnLst>
+                                </p:cTn>
+                              </p:par>
+                            </p:childTnLst>
+                          </p:cTn>
+                        </p:par>
+                      </p:childTnLst>
+                    </p:cTn>
+                  </p:par>
+                  <p:par>
+                    <p:cTn id="11" fill="hold">
+                      <p:stCondLst>
+                        <p:cond delay="indefinite"/>
+                      </p:stCondLst>
+                      <p:childTnLst>
+                        <p:par>
+                          <p:cTn id="12" fill="hold">
+                            <p:stCondLst>
+                              <p:cond delay="0"/>
+                            </p:stCondLst>
+                            <p:childTnLst>
+                              <p:par>
+                                <p:cTn id="13" presetID="1" presetClass="entr" presetSubtype="0" fill="hold" nodeType="clickEffect">
+                                  <p:stCondLst>
+                                    <p:cond delay="0"/>
+                                  </p:stCondLst>
+                                  <p:childTnLst>
+                                    <p:set>
+                                      <p:cBhvr>
+                                        <p:cTn id="14" dur="1" fill="hold">
+                                          <p:stCondLst>
+                                            <p:cond delay="0"/>
+                                          </p:stCondLst>
+                                        </p:cTn>
+                                        <p:tgtEl>
+                                          <p:spTgt spid="3">
+                                            <p:txEl>
+                                              <p:pRg st="2" end="2"/>
+                                            </p:txEl>
+                                          </p:spTgt>
+                                        </p:tgtEl>
+                                        <p:attrNameLst>
+                                          <p:attrName>style.visibility</p:attrName>
+                                        </p:attrNameLst>
+                                      </p:cBhvr>
+                                      <p:to>
+                                        <p:strVal val="visible"/>
+                                      </p:to>
+                                    </p:set>
+                                  </p:childTnLst>
+                                </p:cTn>
+                              </p:par>
+                            </p:childTnLst>
+                          </p:cTn>
+                        </p:par>
+                      </p:childTnLst>
+                    </p:cTn>
+                  </p:par>
+                  <p:par>
+                    <p:cTn id="15" fill="hold">
+                      <p:stCondLst>
+                        <p:cond delay="indefinite"/>
+                      </p:stCondLst>
+                      <p:childTnLst>
+                        <p:par>
+                          <p:cTn id="16" fill="hold">
+                            <p:stCondLst>
+                              <p:cond delay="0"/>
+                            </p:stCondLst>
+                            <p:childTnLst>
+                              <p:par>
+                                <p:cTn id="17" presetID="1" presetClass="entr" presetSubtype="0" fill="hold" nodeType="clickEffect">
+                                  <p:stCondLst>
+                                    <p:cond delay="0"/>
+                                  </p:stCondLst>
+                                  <p:childTnLst>
+                                    <p:set>
+                                      <p:cBhvr>
+                                        <p:cTn id="18" dur="1" fill="hold">
+                                          <p:stCondLst>
+                                            <p:cond delay="0"/>
+                                          </p:stCondLst>
+                                        </p:cTn>
+                                        <p:tgtEl>
+                                          <p:spTgt spid="3">
+                                            <p:txEl>
+                                              <p:pRg st="3" end="3"/>
+                                            </p:txEl>
+                                          </p:spTgt>
+                                        </p:tgtEl>
+                                        <p:attrNameLst>
+                                          <p:attrName>style.visibility</p:attrName>
+                                        </p:attrNameLst>
+                                      </p:cBhvr>
+                                      <p:to>
+                                        <p:strVal val="visible"/>
+                                      </p:to>
+                                    </p:set>
+                                  </p:childTnLst>
+                                </p:cTn>
+                              </p:par>
+                            </p:childTnLst>
+                          </p:cTn>
+                        </p:par>
+                      </p:childTnLst>
+                    </p:cTn>
+                  </p:par>
+                  <p:par>
+                    <p:cTn id="19" fill="hold">
+                      <p:stCondLst>
+                        <p:cond delay="indefinite"/>
+                      </p:stCondLst>
+                      <p:childTnLst>
+                        <p:par>
+                          <p:cTn id="20" fill="hold">
+                            <p:stCondLst>
+                              <p:cond delay="0"/>
+                            </p:stCondLst>
+                            <p:childTnLst>
+                              <p:par>
+                                <p:cTn id="21" presetID="1" presetClass="entr" presetSubtype="0" fill="hold" nodeType="clickEffect">
+                                  <p:stCondLst>
+                                    <p:cond delay="0"/>
+                                  </p:stCondLst>
+                                  <p:childTnLst>
+                                    <p:set>
+                                      <p:cBhvr>
+                                        <p:cTn id="22" dur="1" fill="hold">
+                                          <p:stCondLst>
+                                            <p:cond delay="0"/>
+                                          </p:stCondLst>
+                                        </p:cTn>
+                                        <p:tgtEl>
+                                          <p:spTgt spid="3">
+                                            <p:txEl>
+                                              <p:pRg st="4" end="4"/>
+                                            </p:txEl>
+                                          </p:spTgt>
+                                        </p:tgtEl>
+                                        <p:attrNameLst>
+                                          <p:attrName>style.visibility</p:attrName>
+                                        </p:attrNameLst>
+                                      </p:cBhvr>
+                                      <p:to>
+                                        <p:strVal val="visible"/>
+                                      </p:to>
+                                    </p:set>
+                                  </p:childTnLst>
+                                </p:cTn>
+                              </p:par>
+                            </p:childTnLst>
+                          </p:cTn>
+                        </p:par>
+                      </p:childTnLst>
+                    </p:cTn>
+                  </p:par>
+                  <p:par>
+                    <p:cTn id="23" fill="hold">
+                      <p:stCondLst>
+                        <p:cond delay="indefinite"/>
+                      </p:stCondLst>
+                      <p:childTnLst>
+                        <p:par>
+                          <p:cTn id="24" fill="hold">
+                            <p:stCondLst>
+                              <p:cond delay="0"/>
+                            </p:stCondLst>
+                            <p:childTnLst>
+                              <p:par>
+                                <p:cTn id="25" presetID="1" presetClass="entr" presetSubtype="0" fill="hold" nodeType="clickEffect">
+                                  <p:stCondLst>
+                                    <p:cond delay="0"/>
+                                  </p:stCondLst>
+                                  <p:childTnLst>
+                                    <p:set>
+                                      <p:cBhvr>
+                                        <p:cTn id="26" dur="1" fill="hold">
+                                          <p:stCondLst>
+                                            <p:cond delay="0"/>
+                                          </p:stCondLst>
+                                        </p:cTn>
+                                        <p:tgtEl>
+                                          <p:spTgt spid="3">
+                                            <p:txEl>
+                                              <p:pRg st="5" end="5"/>
+                                            </p:txEl>
+                                          </p:spTgt>
+                                        </p:tgtEl>
+                                        <p:attrNameLst>
+                                          <p:attrName>style.visibility</p:attrName>
+                                        </p:attrNameLst>
+                                      </p:cBhvr>
+                                      <p:to>
+                                        <p:strVal val="visible"/>
+                                      </p:to>
+                                    </p:set>
+                                  </p:childTnLst>
+                                </p:cTn>
+                              </p:par>
+                            </p:childTnLst>
+                          </p:cTn>
+                        </p:par>
+                      </p:childTnLst>
+                    </p:cTn>
+                  </p:par>
+                  <p:par>
+                    <p:cTn id="27" fill="hold">
+                      <p:stCondLst>
+                        <p:cond delay="indefinite"/>
+                      </p:stCondLst>
+                      <p:childTnLst>
+                        <p:par>
+                          <p:cTn id="28" fill="hold">
+                            <p:stCondLst>
+                              <p:cond delay="0"/>
+                            </p:stCondLst>
+                            <p:childTnLst>
+                              <p:par>
+                                <p:cTn id="29" presetID="1" presetClass="entr" presetSubtype="0" fill="hold" nodeType="clickEffect">
+                                  <p:stCondLst>
+                                    <p:cond delay="0"/>
+                                  </p:stCondLst>
+                                  <p:childTnLst>
+                                    <p:set>
+                                      <p:cBhvr>
+                                        <p:cTn id="30" dur="1" fill="hold">
+                                          <p:stCondLst>
+                                            <p:cond delay="0"/>
+                                          </p:stCondLst>
+                                        </p:cTn>
+                                        <p:tgtEl>
+                                          <p:spTgt spid="3">
+                                            <p:txEl>
+                                              <p:pRg st="6" end="6"/>
+                                            </p:txEl>
+                                          </p:spTgt>
+                                        </p:tgtEl>
+                                        <p:attrNameLst>
+                                          <p:attrName>style.visibility</p:attrName>
+                                        </p:attrNameLst>
+                                      </p:cBhvr>
+                                      <p:to>
+                                        <p:strVal val="visible"/>
+                                      </p:to>
+                                    </p:set>
+                                  </p:childTnLst>
+                                </p:cTn>
+                              </p:par>
+                            </p:childTnLst>
+                          </p:cTn>
+                        </p:par>
+                      </p:childTnLst>
+                    </p:cTn>
+                  </p:par>
+                </p:childTnLst>
+              </p:cTn>
+              <p:prevCondLst>
+                <p:cond evt="onPrev" delay="0">
+                  <p:tgtEl>
+                    <p:sldTgt/>
+                  </p:tgtEl>
+                </p:cond>
+              </p:prevCondLst>
+              <p:nextCondLst>
+                <p:cond evt="onNext" delay="0">
+                  <p:tgtEl>
+                    <p:sldTgt/>
+                  </p:tgtEl>
+                </p:cond>
+              </p:nextCondLst>
+            </p:seq>
+          </p:childTnLst>
+        </p:cTn>
+      </p:par>
+    </p:tnLst>
+  </p:timing>
+</p:sld>
+</file>
+
+<file path=ppt/slides/slide15.xml><?xml version="1.0" encoding="utf-8"?>
+<p:sld xmlns:a="http://schemas.openxmlformats.org/drawingml/2006/main" xmlns:r="http://schemas.openxmlformats.org/officeDocument/2006/relationships" xmlns:p="http://schemas.openxmlformats.org/presentationml/2006/main">
+  <p:cSld>
+    <p:spTree>
+      <p:nvGrpSpPr>
+        <p:cNvPr id="1" name=""/>
+        <p:cNvGrpSpPr/>
+        <p:nvPr/>
+      </p:nvGrpSpPr>
+      <p:grpSpPr>
+        <a:xfrm>
+          <a:off x="0" y="0"/>
+          <a:ext cx="0" cy="0"/>
+          <a:chOff x="0" y="0"/>
+          <a:chExt cx="0" cy="0"/>
+        </a:xfrm>
+      </p:grpSpPr>
+      <p:sp>
+        <p:nvSpPr>
+          <p:cNvPr id="2" name="Title 1"/>
+          <p:cNvSpPr>
+            <a:spLocks noGrp="1"/>
+          </p:cNvSpPr>
+          <p:nvPr>
+            <p:ph type="title"/>
+          </p:nvPr>
+        </p:nvSpPr>
+        <p:spPr/>
+        <p:txBody>
+          <a:bodyPr/>
+          <a:lstStyle/>
+          <a:p>
+            <a:r>
+              <a:rPr lang="en-US" dirty="0" smtClean="0"/>
+              <a:t>CSS</a:t>
+            </a:r>
+            <a:endParaRPr lang="en-US" dirty="0"/>
+          </a:p>
+        </p:txBody>
+      </p:sp>
+      <p:sp>
+        <p:nvSpPr>
+          <p:cNvPr id="3" name="Content Placeholder 2"/>
+          <p:cNvSpPr>
+            <a:spLocks noGrp="1"/>
+          </p:cNvSpPr>
+          <p:nvPr>
+            <p:ph idx="1"/>
+          </p:nvPr>
+        </p:nvSpPr>
+        <p:spPr/>
+        <p:txBody>
+          <a:bodyPr>
+            <a:normAutofit/>
+          </a:bodyPr>
+          <a:lstStyle/>
+          <a:p>
+            <a:r>
+              <a:rPr lang="en-US" dirty="0" smtClean="0"/>
+              <a:t>Para </a:t>
+            </a:r>
+            <a:r>
+              <a:rPr lang="en-US" dirty="0" err="1" smtClean="0"/>
+              <a:t>poner</a:t>
+            </a:r>
+            <a:r>
+              <a:rPr lang="en-US" dirty="0" smtClean="0"/>
+              <a:t> </a:t>
+            </a:r>
+            <a:r>
+              <a:rPr lang="en-US" dirty="0" err="1" smtClean="0"/>
+              <a:t>estilo</a:t>
+            </a:r>
+            <a:r>
+              <a:rPr lang="en-US" dirty="0" smtClean="0"/>
+              <a:t> a un </a:t>
+            </a:r>
+            <a:r>
+              <a:rPr lang="en-US" dirty="0" err="1" smtClean="0"/>
+              <a:t>elemento</a:t>
+            </a:r>
+            <a:r>
+              <a:rPr lang="en-US" dirty="0" smtClean="0"/>
+              <a:t> </a:t>
+            </a:r>
+            <a:r>
+              <a:rPr lang="en-US" dirty="0" err="1" smtClean="0"/>
+              <a:t>identificado</a:t>
+            </a:r>
+            <a:r>
+              <a:rPr lang="en-US" dirty="0" smtClean="0"/>
+              <a:t> </a:t>
+            </a:r>
+            <a:r>
+              <a:rPr lang="en-US" dirty="0" err="1" smtClean="0"/>
+              <a:t>por</a:t>
+            </a:r>
+            <a:r>
+              <a:rPr lang="en-US" dirty="0" smtClean="0"/>
+              <a:t> la </a:t>
+            </a:r>
+            <a:r>
+              <a:rPr lang="en-US" dirty="0" err="1" smtClean="0"/>
+              <a:t>propiedad</a:t>
+            </a:r>
+            <a:r>
+              <a:rPr lang="en-US" dirty="0" smtClean="0"/>
+              <a:t> ID </a:t>
+            </a:r>
+            <a:r>
+              <a:rPr lang="en-US" dirty="0" err="1" smtClean="0"/>
+              <a:t>usamos</a:t>
+            </a:r>
+            <a:r>
+              <a:rPr lang="en-US" dirty="0" smtClean="0"/>
+              <a:t> la </a:t>
+            </a:r>
+            <a:r>
+              <a:rPr lang="en-US" dirty="0" err="1" smtClean="0"/>
+              <a:t>siguiente</a:t>
+            </a:r>
+            <a:r>
+              <a:rPr lang="en-US" dirty="0" smtClean="0"/>
+              <a:t> </a:t>
+            </a:r>
+            <a:r>
+              <a:rPr lang="en-US" dirty="0" err="1" smtClean="0"/>
+              <a:t>sintaxis</a:t>
+            </a:r>
+            <a:endParaRPr lang="en-US" dirty="0"/>
+          </a:p>
+          <a:p>
+            <a:r>
+              <a:rPr lang="en-US" dirty="0" smtClean="0"/>
+              <a:t>#</a:t>
+            </a:r>
+            <a:r>
+              <a:rPr lang="en-US" dirty="0" err="1" smtClean="0"/>
+              <a:t>titulo</a:t>
+            </a:r>
+            <a:r>
+              <a:rPr lang="en-US" dirty="0" smtClean="0"/>
+              <a:t>{</a:t>
+            </a:r>
+          </a:p>
+          <a:p>
+            <a:pPr lvl="1"/>
+            <a:r>
+              <a:rPr lang="en-US" dirty="0"/>
+              <a:t>c</a:t>
+            </a:r>
+            <a:r>
+              <a:rPr lang="en-US" dirty="0" smtClean="0"/>
+              <a:t>olor: red;</a:t>
+            </a:r>
+          </a:p>
+          <a:p>
+            <a:r>
+              <a:rPr lang="en-US" dirty="0" smtClean="0"/>
+              <a:t>}</a:t>
+            </a:r>
+          </a:p>
+          <a:p>
+            <a:r>
+              <a:rPr lang="en-US" dirty="0" smtClean="0"/>
+              <a:t>Para </a:t>
+            </a:r>
+            <a:r>
+              <a:rPr lang="en-US" dirty="0" err="1" smtClean="0"/>
+              <a:t>ponerle</a:t>
+            </a:r>
+            <a:r>
+              <a:rPr lang="en-US" dirty="0" smtClean="0"/>
+              <a:t> </a:t>
+            </a:r>
+            <a:r>
+              <a:rPr lang="en-US" dirty="0" err="1" smtClean="0"/>
+              <a:t>estilo</a:t>
+            </a:r>
+            <a:r>
+              <a:rPr lang="en-US" dirty="0" smtClean="0"/>
+              <a:t> a un </a:t>
+            </a:r>
+            <a:r>
+              <a:rPr lang="en-US" dirty="0" err="1" smtClean="0"/>
+              <a:t>elemento</a:t>
+            </a:r>
+            <a:r>
+              <a:rPr lang="en-US" dirty="0" smtClean="0"/>
+              <a:t> </a:t>
+            </a:r>
+            <a:r>
+              <a:rPr lang="en-US" dirty="0" err="1" smtClean="0"/>
+              <a:t>identificado</a:t>
+            </a:r>
+            <a:r>
+              <a:rPr lang="en-US" dirty="0" smtClean="0"/>
+              <a:t> </a:t>
+            </a:r>
+            <a:r>
+              <a:rPr lang="en-US" dirty="0" err="1" smtClean="0"/>
+              <a:t>por</a:t>
+            </a:r>
+            <a:r>
+              <a:rPr lang="en-US" dirty="0" smtClean="0"/>
+              <a:t> </a:t>
+            </a:r>
+            <a:r>
+              <a:rPr lang="en-US" dirty="0" err="1" smtClean="0"/>
+              <a:t>clase</a:t>
+            </a:r>
+            <a:r>
+              <a:rPr lang="en-US" dirty="0" smtClean="0"/>
+              <a:t> </a:t>
+            </a:r>
+            <a:r>
+              <a:rPr lang="en-US" dirty="0" err="1" smtClean="0"/>
+              <a:t>usamos</a:t>
+            </a:r>
+            <a:r>
+              <a:rPr lang="en-US" dirty="0" smtClean="0"/>
+              <a:t> la </a:t>
+            </a:r>
+            <a:r>
+              <a:rPr lang="en-US" dirty="0" err="1" smtClean="0"/>
+              <a:t>sintaxis</a:t>
+            </a:r>
+            <a:endParaRPr lang="en-US" dirty="0" smtClean="0"/>
+          </a:p>
+          <a:p>
+            <a:r>
+              <a:rPr lang="en-US" dirty="0" smtClean="0"/>
+              <a:t>.</a:t>
+            </a:r>
+            <a:r>
+              <a:rPr lang="en-US" dirty="0" err="1" smtClean="0"/>
+              <a:t>subtítulo</a:t>
+            </a:r>
+            <a:r>
+              <a:rPr lang="en-US" dirty="0" smtClean="0"/>
+              <a:t>{</a:t>
+            </a:r>
+          </a:p>
+          <a:p>
+            <a:pPr lvl="1"/>
+            <a:r>
+              <a:rPr lang="en-US" dirty="0" smtClean="0"/>
+              <a:t>color: blue;</a:t>
+            </a:r>
+            <a:endParaRPr lang="en-US" dirty="0"/>
+          </a:p>
+          <a:p>
+            <a:r>
+              <a:rPr lang="en-US" dirty="0" smtClean="0"/>
+              <a:t>}</a:t>
+            </a:r>
+          </a:p>
+        </p:txBody>
+      </p:sp>
+    </p:spTree>
+    <p:extLst>
+      <p:ext uri="{BB962C8B-B14F-4D97-AF65-F5344CB8AC3E}">
+        <p14:creationId xmlns:p14="http://schemas.microsoft.com/office/powerpoint/2010/main" val="2533676692"/>
+      </p:ext>
+    </p:extLst>
+  </p:cSld>
+  <p:clrMapOvr>
+    <a:masterClrMapping/>
+  </p:clrMapOvr>
+  <p:timing>
+    <p:tnLst>
+      <p:par>
+        <p:cTn id="1" dur="indefinite" restart="never" nodeType="tmRoot">
+          <p:childTnLst>
+            <p:seq concurrent="1" nextAc="seek">
+              <p:cTn id="2" dur="indefinite" nodeType="mainSeq">
+                <p:childTnLst>
+                  <p:par>
+                    <p:cTn id="3" fill="hold">
+                      <p:stCondLst>
+                        <p:cond delay="indefinite"/>
+                      </p:stCondLst>
+                      <p:childTnLst>
+                        <p:par>
+                          <p:cTn id="4" fill="hold">
+                            <p:stCondLst>
+                              <p:cond delay="0"/>
+                            </p:stCondLst>
+                            <p:childTnLst>
+                              <p:par>
+                                <p:cTn id="5" presetID="1" presetClass="entr" presetSubtype="0" fill="hold" nodeType="clickEffect">
+                                  <p:stCondLst>
+                                    <p:cond delay="0"/>
+                                  </p:stCondLst>
+                                  <p:childTnLst>
+                                    <p:set>
+                                      <p:cBhvr>
+                                        <p:cTn id="6" dur="1" fill="hold">
+                                          <p:stCondLst>
+                                            <p:cond delay="0"/>
+                                          </p:stCondLst>
+                                        </p:cTn>
+                                        <p:tgtEl>
+                                          <p:spTgt spid="3">
+                                            <p:txEl>
+                                              <p:pRg st="0" end="0"/>
+                                            </p:txEl>
+                                          </p:spTgt>
+                                        </p:tgtEl>
+                                        <p:attrNameLst>
+                                          <p:attrName>style.visibility</p:attrName>
+                                        </p:attrNameLst>
+                                      </p:cBhvr>
+                                      <p:to>
+                                        <p:strVal val="visible"/>
+                                      </p:to>
+                                    </p:set>
+                                  </p:childTnLst>
+                                </p:cTn>
+                              </p:par>
+                            </p:childTnLst>
+                          </p:cTn>
+                        </p:par>
+                      </p:childTnLst>
+                    </p:cTn>
+                  </p:par>
+                  <p:par>
+                    <p:cTn id="7" fill="hold">
+                      <p:stCondLst>
+                        <p:cond delay="indefinite"/>
+                      </p:stCondLst>
+                      <p:childTnLst>
+                        <p:par>
+                          <p:cTn id="8" fill="hold">
+                            <p:stCondLst>
+                              <p:cond delay="0"/>
+                            </p:stCondLst>
+                            <p:childTnLst>
+                              <p:par>
+                                <p:cTn id="9" presetID="1" presetClass="entr" presetSubtype="0" fill="hold" nodeType="clickEffect">
+                                  <p:stCondLst>
+                                    <p:cond delay="0"/>
+                                  </p:stCondLst>
+                                  <p:childTnLst>
+                                    <p:set>
+                                      <p:cBhvr>
+                                        <p:cTn id="10" dur="1" fill="hold">
+                                          <p:stCondLst>
+                                            <p:cond delay="0"/>
+                                          </p:stCondLst>
+                                        </p:cTn>
+                                        <p:tgtEl>
+                                          <p:spTgt spid="3">
+                                            <p:txEl>
+                                              <p:pRg st="1" end="1"/>
+                                            </p:txEl>
+                                          </p:spTgt>
+                                        </p:tgtEl>
+                                        <p:attrNameLst>
+                                          <p:attrName>style.visibility</p:attrName>
+                                        </p:attrNameLst>
+                                      </p:cBhvr>
+                                      <p:to>
+                                        <p:strVal val="visible"/>
+                                      </p:to>
+                                    </p:set>
+                                  </p:childTnLst>
+                                </p:cTn>
+                              </p:par>
+                            </p:childTnLst>
+                          </p:cTn>
+                        </p:par>
+                      </p:childTnLst>
+                    </p:cTn>
+                  </p:par>
+                  <p:par>
+                    <p:cTn id="11" fill="hold">
+                      <p:stCondLst>
+                        <p:cond delay="indefinite"/>
+                      </p:stCondLst>
+                      <p:childTnLst>
+                        <p:par>
+                          <p:cTn id="12" fill="hold">
+                            <p:stCondLst>
+                              <p:cond delay="0"/>
+                            </p:stCondLst>
+                            <p:childTnLst>
+                              <p:par>
+                                <p:cTn id="13" presetID="1" presetClass="entr" presetSubtype="0" fill="hold" nodeType="clickEffect">
+                                  <p:stCondLst>
+                                    <p:cond delay="0"/>
+                                  </p:stCondLst>
+                                  <p:childTnLst>
+                                    <p:set>
+                                      <p:cBhvr>
+                                        <p:cTn id="14" dur="1" fill="hold">
+                                          <p:stCondLst>
+                                            <p:cond delay="0"/>
+                                          </p:stCondLst>
+                                        </p:cTn>
+                                        <p:tgtEl>
+                                          <p:spTgt spid="3">
+                                            <p:txEl>
+                                              <p:pRg st="2" end="2"/>
+                                            </p:txEl>
+                                          </p:spTgt>
+                                        </p:tgtEl>
+                                        <p:attrNameLst>
+                                          <p:attrName>style.visibility</p:attrName>
+                                        </p:attrNameLst>
+                                      </p:cBhvr>
+                                      <p:to>
+                                        <p:strVal val="visible"/>
+                                      </p:to>
+                                    </p:set>
+                                  </p:childTnLst>
+                                </p:cTn>
+                              </p:par>
+                            </p:childTnLst>
+                          </p:cTn>
+                        </p:par>
+                      </p:childTnLst>
+                    </p:cTn>
+                  </p:par>
+                  <p:par>
+                    <p:cTn id="15" fill="hold">
+                      <p:stCondLst>
+                        <p:cond delay="indefinite"/>
+                      </p:stCondLst>
+                      <p:childTnLst>
+                        <p:par>
+                          <p:cTn id="16" fill="hold">
+                            <p:stCondLst>
+                              <p:cond delay="0"/>
+                            </p:stCondLst>
+                            <p:childTnLst>
+                              <p:par>
+                                <p:cTn id="17" presetID="1" presetClass="entr" presetSubtype="0" fill="hold" nodeType="clickEffect">
+                                  <p:stCondLst>
+                                    <p:cond delay="0"/>
+                                  </p:stCondLst>
+                                  <p:childTnLst>
+                                    <p:set>
+                                      <p:cBhvr>
+                                        <p:cTn id="18" dur="1" fill="hold">
+                                          <p:stCondLst>
+                                            <p:cond delay="0"/>
+                                          </p:stCondLst>
+                                        </p:cTn>
+                                        <p:tgtEl>
+                                          <p:spTgt spid="3">
+                                            <p:txEl>
+                                              <p:pRg st="3" end="3"/>
+                                            </p:txEl>
+                                          </p:spTgt>
+                                        </p:tgtEl>
+                                        <p:attrNameLst>
+                                          <p:attrName>style.visibility</p:attrName>
+                                        </p:attrNameLst>
+                                      </p:cBhvr>
+                                      <p:to>
+                                        <p:strVal val="visible"/>
+                                      </p:to>
+                                    </p:set>
+                                  </p:childTnLst>
+                                </p:cTn>
+                              </p:par>
+                            </p:childTnLst>
+                          </p:cTn>
+                        </p:par>
+                      </p:childTnLst>
+                    </p:cTn>
+                  </p:par>
+                  <p:par>
+                    <p:cTn id="19" fill="hold">
+                      <p:stCondLst>
+                        <p:cond delay="indefinite"/>
+                      </p:stCondLst>
+                      <p:childTnLst>
+                        <p:par>
+                          <p:cTn id="20" fill="hold">
+                            <p:stCondLst>
+                              <p:cond delay="0"/>
+                            </p:stCondLst>
+                            <p:childTnLst>
+                              <p:par>
+                                <p:cTn id="21" presetID="1" presetClass="entr" presetSubtype="0" fill="hold" nodeType="clickEffect">
+                                  <p:stCondLst>
+                                    <p:cond delay="0"/>
+                                  </p:stCondLst>
+                                  <p:childTnLst>
+                                    <p:set>
+                                      <p:cBhvr>
+                                        <p:cTn id="22" dur="1" fill="hold">
+                                          <p:stCondLst>
+                                            <p:cond delay="0"/>
+                                          </p:stCondLst>
+                                        </p:cTn>
+                                        <p:tgtEl>
+                                          <p:spTgt spid="3">
+                                            <p:txEl>
+                                              <p:pRg st="4" end="4"/>
+                                            </p:txEl>
+                                          </p:spTgt>
+                                        </p:tgtEl>
+                                        <p:attrNameLst>
+                                          <p:attrName>style.visibility</p:attrName>
+                                        </p:attrNameLst>
+                                      </p:cBhvr>
+                                      <p:to>
+                                        <p:strVal val="visible"/>
+                                      </p:to>
+                                    </p:set>
+                                  </p:childTnLst>
+                                </p:cTn>
+                              </p:par>
+                            </p:childTnLst>
+                          </p:cTn>
+                        </p:par>
+                      </p:childTnLst>
+                    </p:cTn>
+                  </p:par>
+                  <p:par>
+                    <p:cTn id="23" fill="hold">
+                      <p:stCondLst>
+                        <p:cond delay="indefinite"/>
+                      </p:stCondLst>
+                      <p:childTnLst>
+                        <p:par>
+                          <p:cTn id="24" fill="hold">
+                            <p:stCondLst>
+                              <p:cond delay="0"/>
+                            </p:stCondLst>
+                            <p:childTnLst>
+                              <p:par>
+                                <p:cTn id="25" presetID="1" presetClass="entr" presetSubtype="0" fill="hold" nodeType="clickEffect">
+                                  <p:stCondLst>
+                                    <p:cond delay="0"/>
+                                  </p:stCondLst>
+                                  <p:childTnLst>
+                                    <p:set>
+                                      <p:cBhvr>
+                                        <p:cTn id="26" dur="1" fill="hold">
+                                          <p:stCondLst>
+                                            <p:cond delay="0"/>
+                                          </p:stCondLst>
+                                        </p:cTn>
+                                        <p:tgtEl>
+                                          <p:spTgt spid="3">
+                                            <p:txEl>
+                                              <p:pRg st="5" end="5"/>
+                                            </p:txEl>
+                                          </p:spTgt>
+                                        </p:tgtEl>
+                                        <p:attrNameLst>
+                                          <p:attrName>style.visibility</p:attrName>
+                                        </p:attrNameLst>
+                                      </p:cBhvr>
+                                      <p:to>
+                                        <p:strVal val="visible"/>
+                                      </p:to>
+                                    </p:set>
+                                  </p:childTnLst>
+                                </p:cTn>
+                              </p:par>
+                            </p:childTnLst>
+                          </p:cTn>
+                        </p:par>
+                      </p:childTnLst>
+                    </p:cTn>
+                  </p:par>
+                  <p:par>
+                    <p:cTn id="27" fill="hold">
+                      <p:stCondLst>
+                        <p:cond delay="indefinite"/>
+                      </p:stCondLst>
+                      <p:childTnLst>
+                        <p:par>
+                          <p:cTn id="28" fill="hold">
+                            <p:stCondLst>
+                              <p:cond delay="0"/>
+                            </p:stCondLst>
+                            <p:childTnLst>
+                              <p:par>
+                                <p:cTn id="29" presetID="1" presetClass="entr" presetSubtype="0" fill="hold" nodeType="clickEffect">
+                                  <p:stCondLst>
+                                    <p:cond delay="0"/>
+                                  </p:stCondLst>
+                                  <p:childTnLst>
+                                    <p:set>
+                                      <p:cBhvr>
+                                        <p:cTn id="30" dur="1" fill="hold">
+                                          <p:stCondLst>
+                                            <p:cond delay="0"/>
+                                          </p:stCondLst>
+                                        </p:cTn>
+                                        <p:tgtEl>
+                                          <p:spTgt spid="3">
+                                            <p:txEl>
+                                              <p:pRg st="6" end="6"/>
+                                            </p:txEl>
+                                          </p:spTgt>
+                                        </p:tgtEl>
+                                        <p:attrNameLst>
+                                          <p:attrName>style.visibility</p:attrName>
+                                        </p:attrNameLst>
+                                      </p:cBhvr>
+                                      <p:to>
+                                        <p:strVal val="visible"/>
+                                      </p:to>
+                                    </p:set>
+                                  </p:childTnLst>
+                                </p:cTn>
+                              </p:par>
+                            </p:childTnLst>
+                          </p:cTn>
+                        </p:par>
+                      </p:childTnLst>
+                    </p:cTn>
+                  </p:par>
+                  <p:par>
+                    <p:cTn id="31" fill="hold">
+                      <p:stCondLst>
+                        <p:cond delay="indefinite"/>
+                      </p:stCondLst>
+                      <p:childTnLst>
+                        <p:par>
+                          <p:cTn id="32" fill="hold">
+                            <p:stCondLst>
+                              <p:cond delay="0"/>
+                            </p:stCondLst>
+                            <p:childTnLst>
+                              <p:par>
+                                <p:cTn id="33" presetID="1" presetClass="entr" presetSubtype="0" fill="hold" nodeType="clickEffect">
+                                  <p:stCondLst>
+                                    <p:cond delay="0"/>
+                                  </p:stCondLst>
+                                  <p:childTnLst>
+                                    <p:set>
+                                      <p:cBhvr>
+                                        <p:cTn id="34" dur="1" fill="hold">
+                                          <p:stCondLst>
+                                            <p:cond delay="0"/>
+                                          </p:stCondLst>
+                                        </p:cTn>
+                                        <p:tgtEl>
+                                          <p:spTgt spid="3">
+                                            <p:txEl>
+                                              <p:pRg st="7" end="7"/>
+                                            </p:txEl>
+                                          </p:spTgt>
+                                        </p:tgtEl>
+                                        <p:attrNameLst>
+                                          <p:attrName>style.visibility</p:attrName>
+                                        </p:attrNameLst>
+                                      </p:cBhvr>
+                                      <p:to>
+                                        <p:strVal val="visible"/>
+                                      </p:to>
+                                    </p:set>
+                                  </p:childTnLst>
+                                </p:cTn>
+                              </p:par>
+                            </p:childTnLst>
+                          </p:cTn>
+                        </p:par>
+                      </p:childTnLst>
+                    </p:cTn>
+                  </p:par>
+                </p:childTnLst>
+              </p:cTn>
+              <p:prevCondLst>
+                <p:cond evt="onPrev" delay="0">
+                  <p:tgtEl>
+                    <p:sldTgt/>
+                  </p:tgtEl>
+                </p:cond>
+              </p:prevCondLst>
+              <p:nextCondLst>
+                <p:cond evt="onNext" delay="0">
+                  <p:tgtEl>
+                    <p:sldTgt/>
+                  </p:tgtEl>
+                </p:cond>
+              </p:nextCondLst>
+            </p:seq>
+          </p:childTnLst>
+        </p:cTn>
+      </p:par>
+    </p:tnLst>
+  </p:timing>
+</p:sld>
+</file>
+
+<file path=ppt/slides/slide16.xml><?xml version="1.0" encoding="utf-8"?>
+<p:sld xmlns:a="http://schemas.openxmlformats.org/drawingml/2006/main" xmlns:r="http://schemas.openxmlformats.org/officeDocument/2006/relationships" xmlns:p="http://schemas.openxmlformats.org/presentationml/2006/main">
+  <p:cSld>
+    <p:spTree>
+      <p:nvGrpSpPr>
+        <p:cNvPr id="1" name=""/>
+        <p:cNvGrpSpPr/>
+        <p:nvPr/>
+      </p:nvGrpSpPr>
+      <p:grpSpPr>
+        <a:xfrm>
+          <a:off x="0" y="0"/>
+          <a:ext cx="0" cy="0"/>
+          <a:chOff x="0" y="0"/>
+          <a:chExt cx="0" cy="0"/>
+        </a:xfrm>
+      </p:grpSpPr>
+      <p:sp>
+        <p:nvSpPr>
+          <p:cNvPr id="2" name="Title 1"/>
+          <p:cNvSpPr>
+            <a:spLocks noGrp="1"/>
+          </p:cNvSpPr>
+          <p:nvPr>
+            <p:ph type="title"/>
+          </p:nvPr>
+        </p:nvSpPr>
+        <p:spPr/>
+        <p:txBody>
+          <a:bodyPr/>
+          <a:lstStyle/>
+          <a:p>
+            <a:r>
+              <a:rPr lang="en-US" dirty="0" err="1" smtClean="0"/>
+              <a:t>Práctica</a:t>
+            </a:r>
+            <a:r>
+              <a:rPr lang="en-US" dirty="0" smtClean="0"/>
+              <a:t>	</a:t>
+            </a:r>
+            <a:endParaRPr lang="en-US" dirty="0"/>
+          </a:p>
+        </p:txBody>
+      </p:sp>
+      <p:sp>
+        <p:nvSpPr>
+          <p:cNvPr id="3" name="Content Placeholder 2"/>
+          <p:cNvSpPr>
+            <a:spLocks noGrp="1"/>
+          </p:cNvSpPr>
+          <p:nvPr>
+            <p:ph idx="1"/>
+          </p:nvPr>
+        </p:nvSpPr>
+        <p:spPr/>
+        <p:txBody>
+          <a:bodyPr/>
+          <a:lstStyle/>
+          <a:p>
+            <a:r>
+              <a:rPr lang="en-US" dirty="0" err="1" smtClean="0"/>
+              <a:t>Practiquemos</a:t>
+            </a:r>
+            <a:r>
+              <a:rPr lang="en-US" dirty="0" smtClean="0"/>
+              <a:t> </a:t>
+            </a:r>
+            <a:r>
+              <a:rPr lang="en-US" dirty="0" err="1" smtClean="0"/>
+              <a:t>ponerle</a:t>
+            </a:r>
+            <a:r>
+              <a:rPr lang="en-US" dirty="0" smtClean="0"/>
+              <a:t> </a:t>
+            </a:r>
+            <a:r>
+              <a:rPr lang="en-US" dirty="0" err="1" smtClean="0"/>
+              <a:t>estilo</a:t>
+            </a:r>
+            <a:r>
+              <a:rPr lang="en-US" dirty="0" smtClean="0"/>
+              <a:t> a </a:t>
+            </a:r>
+            <a:r>
+              <a:rPr lang="en-US" dirty="0" err="1" smtClean="0"/>
+              <a:t>nuestra</a:t>
+            </a:r>
+            <a:r>
+              <a:rPr lang="en-US" dirty="0" smtClean="0"/>
+              <a:t> </a:t>
+            </a:r>
+            <a:r>
+              <a:rPr lang="en-US" dirty="0" err="1" smtClean="0"/>
+              <a:t>página</a:t>
+            </a:r>
+            <a:r>
+              <a:rPr lang="en-US" dirty="0" smtClean="0"/>
+              <a:t> </a:t>
+            </a:r>
+            <a:r>
+              <a:rPr lang="en-US" dirty="0" err="1" smtClean="0"/>
+              <a:t>que</a:t>
+            </a:r>
+            <a:r>
+              <a:rPr lang="en-US" dirty="0" smtClean="0"/>
+              <a:t> </a:t>
+            </a:r>
+            <a:r>
+              <a:rPr lang="en-US" dirty="0" err="1" smtClean="0"/>
+              <a:t>contiene</a:t>
+            </a:r>
+            <a:r>
+              <a:rPr lang="en-US" dirty="0" smtClean="0"/>
+              <a:t> la </a:t>
+            </a:r>
+            <a:r>
+              <a:rPr lang="en-US" dirty="0" err="1" smtClean="0"/>
+              <a:t>tabla</a:t>
+            </a:r>
+            <a:r>
+              <a:rPr lang="en-US" dirty="0" smtClean="0"/>
+              <a:t>.</a:t>
+            </a:r>
+            <a:endParaRPr lang="en-US" dirty="0"/>
+          </a:p>
+        </p:txBody>
+      </p:sp>
+    </p:spTree>
+    <p:extLst>
+      <p:ext uri="{BB962C8B-B14F-4D97-AF65-F5344CB8AC3E}">
+        <p14:creationId xmlns:p14="http://schemas.microsoft.com/office/powerpoint/2010/main" val="821734041"/>
+      </p:ext>
+    </p:extLst>
+  </p:cSld>
+  <p:clrMapOvr>
+    <a:masterClrMapping/>
+  </p:clrMapOvr>
+  <p:timing>
+    <p:tnLst>
+      <p:par>
+        <p:cTn id="1" dur="indefinite" restart="never" nodeType="tmRoot"/>
+      </p:par>
+    </p:tnLst>
+  </p:timing>
+</p:sld>
+</file>
+
 <file path=ppt/slides/slide2.xml><?xml version="1.0" encoding="utf-8"?>
 <p:sld xmlns:a="http://schemas.openxmlformats.org/drawingml/2006/main" xmlns:r="http://schemas.openxmlformats.org/officeDocument/2006/relationships" xmlns:p="http://schemas.openxmlformats.org/presentationml/2006/main">
   <p:cSld>
@@ -3580,30 +7527,26 @@
           <a:p>
             <a:r>
               <a:rPr lang="en-US" dirty="0" err="1" smtClean="0"/>
-              <a:t>Revisar</a:t>
-            </a:r>
-            <a:r>
-              <a:rPr lang="en-US" dirty="0" smtClean="0"/>
-              <a:t> </a:t>
-            </a:r>
-            <a:r>
-              <a:rPr lang="en-US" dirty="0" err="1" smtClean="0"/>
-              <a:t>tareas</a:t>
+              <a:t>Aclarar</a:t>
+            </a:r>
+            <a:r>
+              <a:rPr lang="en-US" dirty="0" smtClean="0"/>
+              <a:t> </a:t>
+            </a:r>
+            <a:r>
+              <a:rPr lang="en-US" dirty="0" err="1" smtClean="0"/>
+              <a:t>dudas</a:t>
             </a:r>
             <a:endParaRPr lang="en-US" dirty="0" smtClean="0"/>
           </a:p>
           <a:p>
             <a:r>
               <a:rPr lang="en-US" dirty="0" err="1" smtClean="0"/>
-              <a:t>Aclarar</a:t>
-            </a:r>
-            <a:r>
-              <a:rPr lang="en-US" dirty="0" smtClean="0"/>
-              <a:t> </a:t>
-            </a:r>
-            <a:r>
-              <a:rPr lang="en-US" dirty="0" err="1" smtClean="0"/>
-              <a:t>dudas</a:t>
+              <a:t>Elementos</a:t>
+            </a:r>
+            <a:r>
+              <a:rPr lang="en-US" dirty="0" smtClean="0"/>
+              <a:t> &lt;a&gt;</a:t>
             </a:r>
             <a:endParaRPr lang="en-US" dirty="0" smtClean="0"/>
           </a:p>
@@ -3715,109 +7658,6 @@
         </p:nvSpPr>
         <p:spPr/>
         <p:txBody>
-          <a:bodyPr>
-            <a:normAutofit/>
-          </a:bodyPr>
-          <a:lstStyle/>
-          <a:p>
-            <a:r>
-              <a:rPr lang="en-US" dirty="0" err="1" smtClean="0"/>
-              <a:t>Tareas</a:t>
-            </a:r>
-            <a:endParaRPr lang="en-US" dirty="0"/>
-          </a:p>
-        </p:txBody>
-      </p:sp>
-      <p:pic>
-        <p:nvPicPr>
-          <p:cNvPr id="1026" name="Picture 2" descr="Resultado de imagen de success"/>
-          <p:cNvPicPr>
-            <a:picLocks noChangeAspect="1" noChangeArrowheads="1"/>
-          </p:cNvPicPr>
-          <p:nvPr/>
-        </p:nvPicPr>
-        <p:blipFill>
-          <a:blip r:embed="rId2">
-            <a:extLst>
-              <a:ext uri="{28A0092B-C50C-407E-A947-70E740481C1C}">
-                <a14:useLocalDpi xmlns:a14="http://schemas.microsoft.com/office/drawing/2010/main" val="0"/>
-              </a:ext>
-            </a:extLst>
-          </a:blip>
-          <a:srcRect/>
-          <a:stretch>
-            <a:fillRect/>
-          </a:stretch>
-        </p:blipFill>
-        <p:spPr bwMode="auto">
-          <a:xfrm>
-            <a:off x="1167384" y="1752600"/>
-            <a:ext cx="6787896" cy="4527527"/>
-          </a:xfrm>
-          <a:prstGeom prst="rect">
-            <a:avLst/>
-          </a:prstGeom>
-          <a:noFill/>
-          <a:extLst>
-            <a:ext uri="{909E8E84-426E-40DD-AFC4-6F175D3DCCD1}">
-              <a14:hiddenFill xmlns:a14="http://schemas.microsoft.com/office/drawing/2010/main">
-                <a:solidFill>
-                  <a:srgbClr val="FFFFFF"/>
-                </a:solidFill>
-              </a14:hiddenFill>
-            </a:ext>
-          </a:extLst>
-        </p:spPr>
-      </p:pic>
-    </p:spTree>
-    <p:extLst>
-      <p:ext uri="{BB962C8B-B14F-4D97-AF65-F5344CB8AC3E}">
-        <p14:creationId xmlns:p14="http://schemas.microsoft.com/office/powerpoint/2010/main" val="3074357019"/>
-      </p:ext>
-    </p:extLst>
-  </p:cSld>
-  <p:clrMapOvr>
-    <a:masterClrMapping/>
-  </p:clrMapOvr>
-  <p:timing>
-    <p:tnLst>
-      <p:par>
-        <p:cTn id="1" dur="indefinite" restart="never" nodeType="tmRoot"/>
-      </p:par>
-    </p:tnLst>
-  </p:timing>
-</p:sld>
-</file>
-
-<file path=ppt/slides/slide4.xml><?xml version="1.0" encoding="utf-8"?>
-<p:sld xmlns:a="http://schemas.openxmlformats.org/drawingml/2006/main" xmlns:r="http://schemas.openxmlformats.org/officeDocument/2006/relationships" xmlns:p="http://schemas.openxmlformats.org/presentationml/2006/main">
-  <p:cSld>
-    <p:spTree>
-      <p:nvGrpSpPr>
-        <p:cNvPr id="1" name=""/>
-        <p:cNvGrpSpPr/>
-        <p:nvPr/>
-      </p:nvGrpSpPr>
-      <p:grpSpPr>
-        <a:xfrm>
-          <a:off x="0" y="0"/>
-          <a:ext cx="0" cy="0"/>
-          <a:chOff x="0" y="0"/>
-          <a:chExt cx="0" cy="0"/>
-        </a:xfrm>
-      </p:grpSpPr>
-      <p:sp>
-        <p:nvSpPr>
-          <p:cNvPr id="2" name="Title 1"/>
-          <p:cNvSpPr>
-            <a:spLocks noGrp="1"/>
-          </p:cNvSpPr>
-          <p:nvPr>
-            <p:ph type="title"/>
-          </p:nvPr>
-        </p:nvSpPr>
-        <p:spPr/>
-        <p:txBody>
           <a:bodyPr/>
           <a:lstStyle/>
           <a:p>
@@ -3887,6 +7727,403 @@
       </p:par>
     </p:tnLst>
   </p:timing>
+</p:sld>
+</file>
+
+<file path=ppt/slides/slide4.xml><?xml version="1.0" encoding="utf-8"?>
+<p:sld xmlns:a="http://schemas.openxmlformats.org/drawingml/2006/main" xmlns:r="http://schemas.openxmlformats.org/officeDocument/2006/relationships" xmlns:p="http://schemas.openxmlformats.org/presentationml/2006/main">
+  <p:cSld>
+    <p:spTree>
+      <p:nvGrpSpPr>
+        <p:cNvPr id="1" name=""/>
+        <p:cNvGrpSpPr/>
+        <p:nvPr/>
+      </p:nvGrpSpPr>
+      <p:grpSpPr>
+        <a:xfrm>
+          <a:off x="0" y="0"/>
+          <a:ext cx="0" cy="0"/>
+          <a:chOff x="0" y="0"/>
+          <a:chExt cx="0" cy="0"/>
+        </a:xfrm>
+      </p:grpSpPr>
+      <p:sp>
+        <p:nvSpPr>
+          <p:cNvPr id="2" name="Title 1"/>
+          <p:cNvSpPr>
+            <a:spLocks noGrp="1"/>
+          </p:cNvSpPr>
+          <p:nvPr>
+            <p:ph type="title"/>
+          </p:nvPr>
+        </p:nvSpPr>
+        <p:spPr/>
+        <p:txBody>
+          <a:bodyPr/>
+          <a:lstStyle/>
+          <a:p>
+            <a:r>
+              <a:rPr lang="en-US" dirty="0" err="1" smtClean="0"/>
+              <a:t>Elementos</a:t>
+            </a:r>
+            <a:r>
+              <a:rPr lang="en-US" dirty="0" smtClean="0"/>
+              <a:t> &lt;a&gt;</a:t>
+            </a:r>
+            <a:endParaRPr lang="en-US" dirty="0"/>
+          </a:p>
+        </p:txBody>
+      </p:sp>
+      <p:sp>
+        <p:nvSpPr>
+          <p:cNvPr id="3" name="Content Placeholder 2"/>
+          <p:cNvSpPr>
+            <a:spLocks noGrp="1"/>
+          </p:cNvSpPr>
+          <p:nvPr>
+            <p:ph idx="1"/>
+          </p:nvPr>
+        </p:nvSpPr>
+        <p:spPr/>
+        <p:txBody>
+          <a:bodyPr/>
+          <a:lstStyle/>
+          <a:p>
+            <a:r>
+              <a:rPr lang="en-US" dirty="0" smtClean="0"/>
+              <a:t>Los </a:t>
+            </a:r>
+            <a:r>
+              <a:rPr lang="en-US" dirty="0" err="1" smtClean="0"/>
+              <a:t>elementos</a:t>
+            </a:r>
+            <a:r>
+              <a:rPr lang="en-US" dirty="0" smtClean="0"/>
+              <a:t> &lt;a&gt; son </a:t>
+            </a:r>
+            <a:r>
+              <a:rPr lang="en-US" dirty="0" err="1" smtClean="0"/>
+              <a:t>llamados</a:t>
+            </a:r>
+            <a:r>
+              <a:rPr lang="en-US" dirty="0" smtClean="0"/>
+              <a:t> anchor. Son los </a:t>
+            </a:r>
+            <a:r>
+              <a:rPr lang="en-US" dirty="0" err="1" smtClean="0"/>
+              <a:t>elementos</a:t>
+            </a:r>
+            <a:r>
+              <a:rPr lang="en-US" dirty="0" smtClean="0"/>
+              <a:t> </a:t>
+            </a:r>
+            <a:r>
+              <a:rPr lang="en-US" dirty="0" err="1" smtClean="0"/>
+              <a:t>que</a:t>
+            </a:r>
+            <a:r>
+              <a:rPr lang="en-US" dirty="0" smtClean="0"/>
+              <a:t> </a:t>
+            </a:r>
+            <a:r>
+              <a:rPr lang="en-US" dirty="0" err="1" smtClean="0"/>
+              <a:t>nos</a:t>
+            </a:r>
+            <a:r>
+              <a:rPr lang="en-US" dirty="0" smtClean="0"/>
+              <a:t> </a:t>
+            </a:r>
+            <a:r>
+              <a:rPr lang="en-US" dirty="0" err="1" smtClean="0"/>
+              <a:t>permiten</a:t>
+            </a:r>
+            <a:r>
+              <a:rPr lang="en-US" dirty="0" smtClean="0"/>
+              <a:t> </a:t>
+            </a:r>
+            <a:r>
+              <a:rPr lang="en-US" dirty="0" err="1" smtClean="0"/>
+              <a:t>hacer</a:t>
+            </a:r>
+            <a:r>
+              <a:rPr lang="en-US" dirty="0" smtClean="0"/>
+              <a:t> </a:t>
+            </a:r>
+            <a:r>
+              <a:rPr lang="en-US" dirty="0" err="1" smtClean="0"/>
+              <a:t>hiper</a:t>
+            </a:r>
+            <a:r>
+              <a:rPr lang="en-US" dirty="0" smtClean="0"/>
+              <a:t> </a:t>
+            </a:r>
+            <a:r>
+              <a:rPr lang="en-US" dirty="0" err="1" smtClean="0"/>
+              <a:t>vínculos</a:t>
+            </a:r>
+            <a:r>
+              <a:rPr lang="en-US" dirty="0" smtClean="0"/>
+              <a:t> a </a:t>
+            </a:r>
+            <a:r>
+              <a:rPr lang="en-US" dirty="0" err="1" smtClean="0"/>
+              <a:t>otras</a:t>
+            </a:r>
+            <a:r>
+              <a:rPr lang="en-US" dirty="0" smtClean="0"/>
+              <a:t> </a:t>
+            </a:r>
+            <a:r>
+              <a:rPr lang="en-US" dirty="0" err="1" smtClean="0"/>
+              <a:t>páginas</a:t>
+            </a:r>
+            <a:r>
+              <a:rPr lang="en-US" dirty="0" smtClean="0"/>
+              <a:t>.</a:t>
+            </a:r>
+          </a:p>
+          <a:p>
+            <a:r>
+              <a:rPr lang="en-US" dirty="0" err="1" smtClean="0"/>
+              <a:t>Pueden</a:t>
+            </a:r>
+            <a:r>
+              <a:rPr lang="en-US" dirty="0" smtClean="0"/>
+              <a:t> </a:t>
+            </a:r>
+            <a:r>
+              <a:rPr lang="en-US" dirty="0" err="1" smtClean="0"/>
+              <a:t>ser</a:t>
+            </a:r>
+            <a:r>
+              <a:rPr lang="en-US" dirty="0" smtClean="0"/>
+              <a:t> </a:t>
+            </a:r>
+            <a:r>
+              <a:rPr lang="en-US" dirty="0" err="1" smtClean="0"/>
+              <a:t>vínculos</a:t>
+            </a:r>
+            <a:r>
+              <a:rPr lang="en-US" dirty="0" smtClean="0"/>
+              <a:t> a </a:t>
+            </a:r>
+            <a:r>
+              <a:rPr lang="en-US" dirty="0" err="1" smtClean="0"/>
+              <a:t>páginas</a:t>
+            </a:r>
+            <a:r>
+              <a:rPr lang="en-US" dirty="0" smtClean="0"/>
+              <a:t> </a:t>
+            </a:r>
+            <a:r>
+              <a:rPr lang="en-US" dirty="0" err="1" smtClean="0"/>
+              <a:t>externas</a:t>
+            </a:r>
+            <a:r>
+              <a:rPr lang="en-US" dirty="0" smtClean="0"/>
+              <a:t> o a </a:t>
+            </a:r>
+            <a:r>
+              <a:rPr lang="en-US" dirty="0" err="1" smtClean="0"/>
+              <a:t>páginas</a:t>
+            </a:r>
+            <a:r>
+              <a:rPr lang="en-US" dirty="0" smtClean="0"/>
+              <a:t> </a:t>
+            </a:r>
+            <a:r>
+              <a:rPr lang="en-US" dirty="0" err="1" smtClean="0"/>
+              <a:t>dentro</a:t>
+            </a:r>
+            <a:r>
+              <a:rPr lang="en-US" dirty="0" smtClean="0"/>
+              <a:t> de </a:t>
+            </a:r>
+            <a:r>
+              <a:rPr lang="en-US" dirty="0" err="1" smtClean="0"/>
+              <a:t>nuestro</a:t>
+            </a:r>
+            <a:r>
+              <a:rPr lang="en-US" dirty="0" smtClean="0"/>
+              <a:t> </a:t>
+            </a:r>
+            <a:r>
+              <a:rPr lang="en-US" dirty="0" err="1" smtClean="0"/>
+              <a:t>mismo</a:t>
+            </a:r>
+            <a:r>
+              <a:rPr lang="en-US" dirty="0" smtClean="0"/>
+              <a:t> </a:t>
+            </a:r>
+            <a:r>
+              <a:rPr lang="en-US" dirty="0" err="1" smtClean="0"/>
+              <a:t>proyecto</a:t>
+            </a:r>
+            <a:endParaRPr lang="en-US" dirty="0" smtClean="0"/>
+          </a:p>
+          <a:p>
+            <a:r>
+              <a:rPr lang="en-US" dirty="0" smtClean="0"/>
+              <a:t>El </a:t>
+            </a:r>
+            <a:r>
+              <a:rPr lang="en-US" dirty="0" err="1" smtClean="0"/>
+              <a:t>elemento</a:t>
+            </a:r>
+            <a:r>
+              <a:rPr lang="en-US" dirty="0" smtClean="0"/>
+              <a:t> a </a:t>
+            </a:r>
+            <a:r>
+              <a:rPr lang="en-US" dirty="0" err="1" smtClean="0"/>
+              <a:t>tiene</a:t>
+            </a:r>
+            <a:r>
+              <a:rPr lang="en-US" dirty="0" smtClean="0"/>
+              <a:t> </a:t>
+            </a:r>
+            <a:r>
+              <a:rPr lang="en-US" dirty="0" err="1" smtClean="0"/>
+              <a:t>una</a:t>
+            </a:r>
+            <a:r>
+              <a:rPr lang="en-US" dirty="0" smtClean="0"/>
+              <a:t> </a:t>
+            </a:r>
+            <a:r>
+              <a:rPr lang="en-US" dirty="0" err="1" smtClean="0"/>
+              <a:t>propiedad</a:t>
+            </a:r>
+            <a:r>
+              <a:rPr lang="en-US" dirty="0" smtClean="0"/>
+              <a:t> </a:t>
+            </a:r>
+            <a:r>
+              <a:rPr lang="en-US" dirty="0" err="1" smtClean="0"/>
+              <a:t>llamada</a:t>
+            </a:r>
+            <a:r>
+              <a:rPr lang="en-US" dirty="0" smtClean="0"/>
+              <a:t> </a:t>
+            </a:r>
+            <a:r>
+              <a:rPr lang="en-US" dirty="0" err="1" smtClean="0"/>
+              <a:t>href</a:t>
+            </a:r>
+            <a:r>
+              <a:rPr lang="en-US" dirty="0" smtClean="0"/>
+              <a:t> </a:t>
+            </a:r>
+            <a:r>
+              <a:rPr lang="en-US" dirty="0" err="1" smtClean="0"/>
+              <a:t>que</a:t>
+            </a:r>
+            <a:r>
+              <a:rPr lang="en-US" dirty="0" smtClean="0"/>
+              <a:t> </a:t>
+            </a:r>
+            <a:r>
+              <a:rPr lang="en-US" dirty="0" err="1" smtClean="0"/>
+              <a:t>es</a:t>
+            </a:r>
+            <a:r>
+              <a:rPr lang="en-US" dirty="0" smtClean="0"/>
+              <a:t> </a:t>
+            </a:r>
+            <a:r>
+              <a:rPr lang="en-US" dirty="0" err="1" smtClean="0"/>
+              <a:t>donde</a:t>
+            </a:r>
+            <a:r>
+              <a:rPr lang="en-US" dirty="0" smtClean="0"/>
+              <a:t> </a:t>
+            </a:r>
+            <a:r>
+              <a:rPr lang="en-US" dirty="0" err="1" smtClean="0"/>
+              <a:t>ponemos</a:t>
+            </a:r>
+            <a:r>
+              <a:rPr lang="en-US" dirty="0" smtClean="0"/>
+              <a:t> la </a:t>
+            </a:r>
+            <a:r>
+              <a:rPr lang="en-US" dirty="0" err="1" smtClean="0"/>
+              <a:t>dirección</a:t>
+            </a:r>
+            <a:r>
+              <a:rPr lang="en-US" dirty="0" smtClean="0"/>
+              <a:t> del </a:t>
+            </a:r>
+            <a:r>
+              <a:rPr lang="en-US" dirty="0" err="1" smtClean="0"/>
+              <a:t>hipervínculo</a:t>
+            </a:r>
+            <a:endParaRPr lang="en-US" dirty="0" smtClean="0"/>
+          </a:p>
+          <a:p>
+            <a:r>
+              <a:rPr lang="en-US" dirty="0" err="1" smtClean="0"/>
+              <a:t>Por</a:t>
+            </a:r>
+            <a:r>
+              <a:rPr lang="en-US" dirty="0" smtClean="0"/>
+              <a:t> </a:t>
+            </a:r>
+            <a:r>
+              <a:rPr lang="en-US" dirty="0" err="1" smtClean="0"/>
+              <a:t>ejemplo</a:t>
+            </a:r>
+            <a:endParaRPr lang="en-US" dirty="0" smtClean="0"/>
+          </a:p>
+          <a:p>
+            <a:r>
+              <a:rPr lang="en-US" dirty="0" smtClean="0"/>
+              <a:t>&lt;a </a:t>
+            </a:r>
+            <a:r>
+              <a:rPr lang="en-US" dirty="0" err="1" smtClean="0"/>
+              <a:t>href</a:t>
+            </a:r>
+            <a:r>
+              <a:rPr lang="en-US" dirty="0" smtClean="0"/>
+              <a:t>=“http://ww.wikipedia.org”&gt;Wikipedia&lt;/a&gt; </a:t>
+            </a:r>
+          </a:p>
+          <a:p>
+            <a:r>
+              <a:rPr lang="en-US" dirty="0" smtClean="0"/>
+              <a:t>&lt;a </a:t>
+            </a:r>
+            <a:r>
+              <a:rPr lang="en-US" dirty="0" err="1" smtClean="0"/>
+              <a:t>href</a:t>
+            </a:r>
+            <a:r>
+              <a:rPr lang="en-US" dirty="0" smtClean="0"/>
+              <a:t>=“pagina2.html”&gt;</a:t>
+            </a:r>
+            <a:r>
+              <a:rPr lang="en-US" dirty="0" err="1" smtClean="0"/>
+              <a:t>Siguiente</a:t>
+            </a:r>
+            <a:r>
+              <a:rPr lang="en-US" dirty="0" smtClean="0"/>
+              <a:t>&lt;/a&gt;</a:t>
+            </a:r>
+            <a:endParaRPr lang="en-US" dirty="0"/>
+          </a:p>
+        </p:txBody>
+      </p:sp>
+    </p:spTree>
+    <p:extLst>
+      <p:ext uri="{BB962C8B-B14F-4D97-AF65-F5344CB8AC3E}">
+        <p14:creationId xmlns:p14="http://schemas.microsoft.com/office/powerpoint/2010/main" val="880796818"/>
+      </p:ext>
+    </p:extLst>
+  </p:cSld>
+  <p:clrMapOvr>
+    <a:masterClrMapping/>
+  </p:clrMapOvr>
 </p:sld>
 </file>
 
@@ -6002,7 +10239,7 @@
             </a:r>
             <a:r>
               <a:rPr lang="en-US" dirty="0" err="1" smtClean="0"/>
-              <a:t>Famoso</a:t>
+              <a:t>Famosos</a:t>
             </a:r>
             <a:r>
               <a:rPr lang="en-US" dirty="0" smtClean="0"/>
@@ -6619,6 +10856,599 @@
 </p:sld>
 </file>
 
+<file path=ppt/slides/slide9.xml><?xml version="1.0" encoding="utf-8"?>
+<p:sld xmlns:a="http://schemas.openxmlformats.org/drawingml/2006/main" xmlns:r="http://schemas.openxmlformats.org/officeDocument/2006/relationships" xmlns:p="http://schemas.openxmlformats.org/presentationml/2006/main">
+  <p:cSld>
+    <p:spTree>
+      <p:nvGrpSpPr>
+        <p:cNvPr id="1" name=""/>
+        <p:cNvGrpSpPr/>
+        <p:nvPr/>
+      </p:nvGrpSpPr>
+      <p:grpSpPr>
+        <a:xfrm>
+          <a:off x="0" y="0"/>
+          <a:ext cx="0" cy="0"/>
+          <a:chOff x="0" y="0"/>
+          <a:chExt cx="0" cy="0"/>
+        </a:xfrm>
+      </p:grpSpPr>
+      <p:sp>
+        <p:nvSpPr>
+          <p:cNvPr id="2" name="Title 1"/>
+          <p:cNvSpPr>
+            <a:spLocks noGrp="1"/>
+          </p:cNvSpPr>
+          <p:nvPr>
+            <p:ph type="title"/>
+          </p:nvPr>
+        </p:nvSpPr>
+        <p:spPr/>
+        <p:txBody>
+          <a:bodyPr/>
+          <a:lstStyle/>
+          <a:p>
+            <a:r>
+              <a:rPr lang="en-US" dirty="0" smtClean="0"/>
+              <a:t>CSS</a:t>
+            </a:r>
+            <a:endParaRPr lang="en-US" dirty="0"/>
+          </a:p>
+        </p:txBody>
+      </p:sp>
+      <p:sp>
+        <p:nvSpPr>
+          <p:cNvPr id="3" name="Content Placeholder 2"/>
+          <p:cNvSpPr>
+            <a:spLocks noGrp="1"/>
+          </p:cNvSpPr>
+          <p:nvPr>
+            <p:ph idx="1"/>
+          </p:nvPr>
+        </p:nvSpPr>
+        <p:spPr/>
+        <p:txBody>
+          <a:bodyPr/>
+          <a:lstStyle/>
+          <a:p>
+            <a:r>
+              <a:rPr lang="en-US" dirty="0" err="1" smtClean="0"/>
+              <a:t>Significa</a:t>
+            </a:r>
+            <a:r>
+              <a:rPr lang="en-US" dirty="0" smtClean="0"/>
+              <a:t> </a:t>
+            </a:r>
+            <a:r>
+              <a:rPr lang="en-US" dirty="0"/>
+              <a:t>Cascading Style </a:t>
+            </a:r>
+            <a:r>
+              <a:rPr lang="en-US" dirty="0" smtClean="0"/>
+              <a:t>Sheets</a:t>
+            </a:r>
+          </a:p>
+          <a:p>
+            <a:r>
+              <a:rPr lang="en-US" dirty="0" smtClean="0"/>
+              <a:t>Se </a:t>
+            </a:r>
+            <a:r>
+              <a:rPr lang="en-US" dirty="0" err="1" smtClean="0"/>
+              <a:t>usa</a:t>
+            </a:r>
+            <a:r>
+              <a:rPr lang="en-US" dirty="0" smtClean="0"/>
+              <a:t> </a:t>
+            </a:r>
+            <a:r>
+              <a:rPr lang="en-US" dirty="0" err="1" smtClean="0"/>
+              <a:t>para</a:t>
+            </a:r>
+            <a:r>
+              <a:rPr lang="en-US" dirty="0" smtClean="0"/>
+              <a:t> </a:t>
+            </a:r>
+            <a:r>
+              <a:rPr lang="en-US" dirty="0" err="1" smtClean="0"/>
+              <a:t>dar</a:t>
+            </a:r>
+            <a:r>
+              <a:rPr lang="en-US" dirty="0" smtClean="0"/>
+              <a:t> </a:t>
+            </a:r>
+            <a:r>
+              <a:rPr lang="en-US" dirty="0" err="1" smtClean="0"/>
+              <a:t>estilo</a:t>
+            </a:r>
+            <a:r>
+              <a:rPr lang="en-US" dirty="0" smtClean="0"/>
+              <a:t> al HTML. </a:t>
+            </a:r>
+          </a:p>
+          <a:p>
+            <a:pPr lvl="1"/>
+            <a:r>
+              <a:rPr lang="en-US" dirty="0" smtClean="0"/>
+              <a:t>Color</a:t>
+            </a:r>
+          </a:p>
+          <a:p>
+            <a:pPr lvl="1"/>
+            <a:r>
+              <a:rPr lang="en-US" dirty="0" err="1" smtClean="0"/>
+              <a:t>Ubicación</a:t>
+            </a:r>
+            <a:endParaRPr lang="en-US" dirty="0" smtClean="0"/>
+          </a:p>
+          <a:p>
+            <a:pPr lvl="1"/>
+            <a:r>
+              <a:rPr lang="en-US" dirty="0" err="1" smtClean="0"/>
+              <a:t>Tipografía</a:t>
+            </a:r>
+            <a:endParaRPr lang="en-US" dirty="0" smtClean="0"/>
+          </a:p>
+          <a:p>
+            <a:pPr lvl="1"/>
+            <a:r>
+              <a:rPr lang="en-US" dirty="0" smtClean="0"/>
+              <a:t>Entre </a:t>
+            </a:r>
+            <a:r>
+              <a:rPr lang="en-US" dirty="0" err="1" smtClean="0"/>
+              <a:t>otros</a:t>
+            </a:r>
+            <a:endParaRPr lang="en-US" dirty="0" smtClean="0"/>
+          </a:p>
+          <a:p>
+            <a:r>
+              <a:rPr lang="en-US" dirty="0" smtClean="0"/>
+              <a:t>Para </a:t>
+            </a:r>
+            <a:r>
+              <a:rPr lang="en-US" dirty="0" err="1" smtClean="0"/>
+              <a:t>entender</a:t>
+            </a:r>
+            <a:r>
+              <a:rPr lang="en-US" dirty="0" smtClean="0"/>
+              <a:t> CSS </a:t>
+            </a:r>
+            <a:r>
+              <a:rPr lang="en-US" dirty="0" err="1" smtClean="0"/>
+              <a:t>necesitamos</a:t>
+            </a:r>
+            <a:r>
+              <a:rPr lang="en-US" dirty="0" smtClean="0"/>
+              <a:t> </a:t>
+            </a:r>
+            <a:r>
+              <a:rPr lang="en-US" dirty="0" err="1" smtClean="0"/>
+              <a:t>hablar</a:t>
+            </a:r>
+            <a:r>
+              <a:rPr lang="en-US" dirty="0" smtClean="0"/>
+              <a:t> </a:t>
+            </a:r>
+            <a:r>
+              <a:rPr lang="en-US" dirty="0" err="1" smtClean="0"/>
+              <a:t>las</a:t>
+            </a:r>
+            <a:r>
+              <a:rPr lang="en-US" dirty="0" smtClean="0"/>
+              <a:t> </a:t>
+            </a:r>
+            <a:r>
+              <a:rPr lang="en-US" dirty="0" err="1" smtClean="0"/>
+              <a:t>propiedades</a:t>
+            </a:r>
+            <a:r>
+              <a:rPr lang="en-US" dirty="0" smtClean="0"/>
+              <a:t> de los </a:t>
+            </a:r>
+            <a:r>
+              <a:rPr lang="en-US" dirty="0" err="1" smtClean="0"/>
+              <a:t>elementos</a:t>
+            </a:r>
+            <a:r>
+              <a:rPr lang="en-US" dirty="0" smtClean="0"/>
+              <a:t> HTML</a:t>
+            </a:r>
+          </a:p>
+          <a:p>
+            <a:endParaRPr lang="en-US" dirty="0" smtClean="0"/>
+          </a:p>
+          <a:p>
+            <a:endParaRPr lang="en-US" dirty="0" smtClean="0"/>
+          </a:p>
+        </p:txBody>
+      </p:sp>
+    </p:spTree>
+    <p:extLst>
+      <p:ext uri="{BB962C8B-B14F-4D97-AF65-F5344CB8AC3E}">
+        <p14:creationId xmlns:p14="http://schemas.microsoft.com/office/powerpoint/2010/main" val="546204719"/>
+      </p:ext>
+    </p:extLst>
+  </p:cSld>
+  <p:clrMapOvr>
+    <a:masterClrMapping/>
+  </p:clrMapOvr>
+  <p:timing>
+    <p:tnLst>
+      <p:par>
+        <p:cTn id="1" dur="indefinite" restart="never" nodeType="tmRoot">
+          <p:childTnLst>
+            <p:seq concurrent="1" nextAc="seek">
+              <p:cTn id="2" dur="indefinite" nodeType="mainSeq">
+                <p:childTnLst>
+                  <p:par>
+                    <p:cTn id="3" fill="hold">
+                      <p:stCondLst>
+                        <p:cond delay="indefinite"/>
+                      </p:stCondLst>
+                      <p:childTnLst>
+                        <p:par>
+                          <p:cTn id="4" fill="hold">
+                            <p:stCondLst>
+                              <p:cond delay="0"/>
+                            </p:stCondLst>
+                            <p:childTnLst>
+                              <p:par>
+                                <p:cTn id="5" presetID="1" presetClass="entr" presetSubtype="0" fill="hold" nodeType="clickEffect">
+                                  <p:stCondLst>
+                                    <p:cond delay="0"/>
+                                  </p:stCondLst>
+                                  <p:childTnLst>
+                                    <p:set>
+                                      <p:cBhvr>
+                                        <p:cTn id="6" dur="1" fill="hold">
+                                          <p:stCondLst>
+                                            <p:cond delay="0"/>
+                                          </p:stCondLst>
+                                        </p:cTn>
+                                        <p:tgtEl>
+                                          <p:spTgt spid="3">
+                                            <p:txEl>
+                                              <p:pRg st="0" end="0"/>
+                                            </p:txEl>
+                                          </p:spTgt>
+                                        </p:tgtEl>
+                                        <p:attrNameLst>
+                                          <p:attrName>style.visibility</p:attrName>
+                                        </p:attrNameLst>
+                                      </p:cBhvr>
+                                      <p:to>
+                                        <p:strVal val="visible"/>
+                                      </p:to>
+                                    </p:set>
+                                  </p:childTnLst>
+                                </p:cTn>
+                              </p:par>
+                            </p:childTnLst>
+                          </p:cTn>
+                        </p:par>
+                      </p:childTnLst>
+                    </p:cTn>
+                  </p:par>
+                  <p:par>
+                    <p:cTn id="7" fill="hold">
+                      <p:stCondLst>
+                        <p:cond delay="indefinite"/>
+                      </p:stCondLst>
+                      <p:childTnLst>
+                        <p:par>
+                          <p:cTn id="8" fill="hold">
+                            <p:stCondLst>
+                              <p:cond delay="0"/>
+                            </p:stCondLst>
+                            <p:childTnLst>
+                              <p:par>
+                                <p:cTn id="9" presetID="1" presetClass="entr" presetSubtype="0" fill="hold" nodeType="clickEffect">
+                                  <p:stCondLst>
+                                    <p:cond delay="0"/>
+                                  </p:stCondLst>
+                                  <p:childTnLst>
+                                    <p:set>
+                                      <p:cBhvr>
+                                        <p:cTn id="10" dur="1" fill="hold">
+                                          <p:stCondLst>
+                                            <p:cond delay="0"/>
+                                          </p:stCondLst>
+                                        </p:cTn>
+                                        <p:tgtEl>
+                                          <p:spTgt spid="3">
+                                            <p:txEl>
+                                              <p:pRg st="1" end="1"/>
+                                            </p:txEl>
+                                          </p:spTgt>
+                                        </p:tgtEl>
+                                        <p:attrNameLst>
+                                          <p:attrName>style.visibility</p:attrName>
+                                        </p:attrNameLst>
+                                      </p:cBhvr>
+                                      <p:to>
+                                        <p:strVal val="visible"/>
+                                      </p:to>
+                                    </p:set>
+                                  </p:childTnLst>
+                                </p:cTn>
+                              </p:par>
+                            </p:childTnLst>
+                          </p:cTn>
+                        </p:par>
+                      </p:childTnLst>
+                    </p:cTn>
+                  </p:par>
+                  <p:par>
+                    <p:cTn id="11" fill="hold">
+                      <p:stCondLst>
+                        <p:cond delay="indefinite"/>
+                      </p:stCondLst>
+                      <p:childTnLst>
+                        <p:par>
+                          <p:cTn id="12" fill="hold">
+                            <p:stCondLst>
+                              <p:cond delay="0"/>
+                            </p:stCondLst>
+                            <p:childTnLst>
+                              <p:par>
+                                <p:cTn id="13" presetID="1" presetClass="entr" presetSubtype="0" fill="hold" nodeType="clickEffect">
+                                  <p:stCondLst>
+                                    <p:cond delay="0"/>
+                                  </p:stCondLst>
+                                  <p:childTnLst>
+                                    <p:set>
+                                      <p:cBhvr>
+                                        <p:cTn id="14" dur="1" fill="hold">
+                                          <p:stCondLst>
+                                            <p:cond delay="0"/>
+                                          </p:stCondLst>
+                                        </p:cTn>
+                                        <p:tgtEl>
+                                          <p:spTgt spid="3">
+                                            <p:txEl>
+                                              <p:pRg st="2" end="2"/>
+                                            </p:txEl>
+                                          </p:spTgt>
+                                        </p:tgtEl>
+                                        <p:attrNameLst>
+                                          <p:attrName>style.visibility</p:attrName>
+                                        </p:attrNameLst>
+                                      </p:cBhvr>
+                                      <p:to>
+                                        <p:strVal val="visible"/>
+                                      </p:to>
+                                    </p:set>
+                                  </p:childTnLst>
+                                </p:cTn>
+                              </p:par>
+                            </p:childTnLst>
+                          </p:cTn>
+                        </p:par>
+                      </p:childTnLst>
+                    </p:cTn>
+                  </p:par>
+                  <p:par>
+                    <p:cTn id="15" fill="hold">
+                      <p:stCondLst>
+                        <p:cond delay="indefinite"/>
+                      </p:stCondLst>
+                      <p:childTnLst>
+                        <p:par>
+                          <p:cTn id="16" fill="hold">
+                            <p:stCondLst>
+                              <p:cond delay="0"/>
+                            </p:stCondLst>
+                            <p:childTnLst>
+                              <p:par>
+                                <p:cTn id="17" presetID="1" presetClass="entr" presetSubtype="0" fill="hold" nodeType="clickEffect">
+                                  <p:stCondLst>
+                                    <p:cond delay="0"/>
+                                  </p:stCondLst>
+                                  <p:childTnLst>
+                                    <p:set>
+                                      <p:cBhvr>
+                                        <p:cTn id="18" dur="1" fill="hold">
+                                          <p:stCondLst>
+                                            <p:cond delay="0"/>
+                                          </p:stCondLst>
+                                        </p:cTn>
+                                        <p:tgtEl>
+                                          <p:spTgt spid="3">
+                                            <p:txEl>
+                                              <p:pRg st="3" end="3"/>
+                                            </p:txEl>
+                                          </p:spTgt>
+                                        </p:tgtEl>
+                                        <p:attrNameLst>
+                                          <p:attrName>style.visibility</p:attrName>
+                                        </p:attrNameLst>
+                                      </p:cBhvr>
+                                      <p:to>
+                                        <p:strVal val="visible"/>
+                                      </p:to>
+                                    </p:set>
+                                  </p:childTnLst>
+                                </p:cTn>
+                              </p:par>
+                            </p:childTnLst>
+                          </p:cTn>
+                        </p:par>
+                      </p:childTnLst>
+                    </p:cTn>
+                  </p:par>
+                  <p:par>
+                    <p:cTn id="19" fill="hold">
+                      <p:stCondLst>
+                        <p:cond delay="indefinite"/>
+                      </p:stCondLst>
+                      <p:childTnLst>
+                        <p:par>
+                          <p:cTn id="20" fill="hold">
+                            <p:stCondLst>
+                              <p:cond delay="0"/>
+                            </p:stCondLst>
+                            <p:childTnLst>
+                              <p:par>
+                                <p:cTn id="21" presetID="1" presetClass="entr" presetSubtype="0" fill="hold" nodeType="clickEffect">
+                                  <p:stCondLst>
+                                    <p:cond delay="0"/>
+                                  </p:stCondLst>
+                                  <p:childTnLst>
+                                    <p:set>
+                                      <p:cBhvr>
+                                        <p:cTn id="22" dur="1" fill="hold">
+                                          <p:stCondLst>
+                                            <p:cond delay="0"/>
+                                          </p:stCondLst>
+                                        </p:cTn>
+                                        <p:tgtEl>
+                                          <p:spTgt spid="3">
+                                            <p:txEl>
+                                              <p:pRg st="4" end="4"/>
+                                            </p:txEl>
+                                          </p:spTgt>
+                                        </p:tgtEl>
+                                        <p:attrNameLst>
+                                          <p:attrName>style.visibility</p:attrName>
+                                        </p:attrNameLst>
+                                      </p:cBhvr>
+                                      <p:to>
+                                        <p:strVal val="visible"/>
+                                      </p:to>
+                                    </p:set>
+                                  </p:childTnLst>
+                                </p:cTn>
+                              </p:par>
+                            </p:childTnLst>
+                          </p:cTn>
+                        </p:par>
+                      </p:childTnLst>
+                    </p:cTn>
+                  </p:par>
+                  <p:par>
+                    <p:cTn id="23" fill="hold">
+                      <p:stCondLst>
+                        <p:cond delay="indefinite"/>
+                      </p:stCondLst>
+                      <p:childTnLst>
+                        <p:par>
+                          <p:cTn id="24" fill="hold">
+                            <p:stCondLst>
+                              <p:cond delay="0"/>
+                            </p:stCondLst>
+                            <p:childTnLst>
+                              <p:par>
+                                <p:cTn id="25" presetID="1" presetClass="entr" presetSubtype="0" fill="hold" nodeType="clickEffect">
+                                  <p:stCondLst>
+                                    <p:cond delay="0"/>
+                                  </p:stCondLst>
+                                  <p:childTnLst>
+                                    <p:set>
+                                      <p:cBhvr>
+                                        <p:cTn id="26" dur="1" fill="hold">
+                                          <p:stCondLst>
+                                            <p:cond delay="0"/>
+                                          </p:stCondLst>
+                                        </p:cTn>
+                                        <p:tgtEl>
+                                          <p:spTgt spid="3">
+                                            <p:txEl>
+                                              <p:pRg st="5" end="5"/>
+                                            </p:txEl>
+                                          </p:spTgt>
+                                        </p:tgtEl>
+                                        <p:attrNameLst>
+                                          <p:attrName>style.visibility</p:attrName>
+                                        </p:attrNameLst>
+                                      </p:cBhvr>
+                                      <p:to>
+                                        <p:strVal val="visible"/>
+                                      </p:to>
+                                    </p:set>
+                                  </p:childTnLst>
+                                </p:cTn>
+                              </p:par>
+                            </p:childTnLst>
+                          </p:cTn>
+                        </p:par>
+                      </p:childTnLst>
+                    </p:cTn>
+                  </p:par>
+                  <p:par>
+                    <p:cTn id="27" fill="hold">
+                      <p:stCondLst>
+                        <p:cond delay="indefinite"/>
+                      </p:stCondLst>
+                      <p:childTnLst>
+                        <p:par>
+                          <p:cTn id="28" fill="hold">
+                            <p:stCondLst>
+                              <p:cond delay="0"/>
+                            </p:stCondLst>
+                            <p:childTnLst>
+                              <p:par>
+                                <p:cTn id="29" presetID="1" presetClass="entr" presetSubtype="0" fill="hold" nodeType="clickEffect">
+                                  <p:stCondLst>
+                                    <p:cond delay="0"/>
+                                  </p:stCondLst>
+                                  <p:childTnLst>
+                                    <p:set>
+                                      <p:cBhvr>
+                                        <p:cTn id="30" dur="1" fill="hold">
+                                          <p:stCondLst>
+                                            <p:cond delay="0"/>
+                                          </p:stCondLst>
+                                        </p:cTn>
+                                        <p:tgtEl>
+                                          <p:spTgt spid="3">
+                                            <p:txEl>
+                                              <p:pRg st="6" end="6"/>
+                                            </p:txEl>
+                                          </p:spTgt>
+                                        </p:tgtEl>
+                                        <p:attrNameLst>
+                                          <p:attrName>style.visibility</p:attrName>
+                                        </p:attrNameLst>
+                                      </p:cBhvr>
+                                      <p:to>
+                                        <p:strVal val="visible"/>
+                                      </p:to>
+                                    </p:set>
+                                  </p:childTnLst>
+                                </p:cTn>
+                              </p:par>
+                            </p:childTnLst>
+                          </p:cTn>
+                        </p:par>
+                      </p:childTnLst>
+                    </p:cTn>
+                  </p:par>
+                </p:childTnLst>
+              </p:cTn>
+              <p:prevCondLst>
+                <p:cond evt="onPrev" delay="0">
+                  <p:tgtEl>
+                    <p:sldTgt/>
+                  </p:tgtEl>
+                </p:cond>
+              </p:prevCondLst>
+              <p:nextCondLst>
+                <p:cond evt="onNext" delay="0">
+                  <p:tgtEl>
+                    <p:sldTgt/>
+                  </p:tgtEl>
+                </p:cond>
+              </p:nextCondLst>
+            </p:seq>
+          </p:childTnLst>
+        </p:cTn>
+      </p:par>
+    </p:tnLst>
+  </p:timing>
+</p:sld>
+</file>
+
 <file path=ppt/theme/theme1.xml><?xml version="1.0" encoding="utf-8"?>
 <a:theme xmlns:a="http://schemas.openxmlformats.org/drawingml/2006/main" name="Clarity">
   <a:themeElements>

--- a/Semana 3.pptx
+++ b/Semana 3.pptx
@@ -310,7 +310,7 @@
           <a:p>
             <a:fld id="{80FF1464-75BB-4125-B2AF-EE9611B5FB25}" type="datetimeFigureOut">
               <a:rPr lang="en-US" smtClean="0"/>
-              <a:t>1/23/2017</a:t>
+              <a:t>5/22/2017</a:t>
             </a:fld>
             <a:endParaRPr lang="en-US"/>
           </a:p>
@@ -510,7 +510,7 @@
           <a:p>
             <a:fld id="{80FF1464-75BB-4125-B2AF-EE9611B5FB25}" type="datetimeFigureOut">
               <a:rPr lang="en-US" smtClean="0"/>
-              <a:t>1/23/2017</a:t>
+              <a:t>5/22/2017</a:t>
             </a:fld>
             <a:endParaRPr lang="en-US"/>
           </a:p>
@@ -685,7 +685,7 @@
           <a:p>
             <a:fld id="{80FF1464-75BB-4125-B2AF-EE9611B5FB25}" type="datetimeFigureOut">
               <a:rPr lang="en-US" smtClean="0"/>
-              <a:t>1/23/2017</a:t>
+              <a:t>5/22/2017</a:t>
             </a:fld>
             <a:endParaRPr lang="en-US"/>
           </a:p>
@@ -850,7 +850,7 @@
           <a:p>
             <a:fld id="{80FF1464-75BB-4125-B2AF-EE9611B5FB25}" type="datetimeFigureOut">
               <a:rPr lang="en-US" smtClean="0"/>
-              <a:t>1/23/2017</a:t>
+              <a:t>5/22/2017</a:t>
             </a:fld>
             <a:endParaRPr lang="en-US"/>
           </a:p>
@@ -1098,7 +1098,7 @@
           <a:p>
             <a:fld id="{80FF1464-75BB-4125-B2AF-EE9611B5FB25}" type="datetimeFigureOut">
               <a:rPr lang="en-US" smtClean="0"/>
-              <a:t>1/23/2017</a:t>
+              <a:t>5/22/2017</a:t>
             </a:fld>
             <a:endParaRPr lang="en-US"/>
           </a:p>
@@ -1416,7 +1416,7 @@
           <a:p>
             <a:fld id="{80FF1464-75BB-4125-B2AF-EE9611B5FB25}" type="datetimeFigureOut">
               <a:rPr lang="en-US" smtClean="0"/>
-              <a:t>1/23/2017</a:t>
+              <a:t>5/22/2017</a:t>
             </a:fld>
             <a:endParaRPr lang="en-US"/>
           </a:p>
@@ -1882,7 +1882,7 @@
           <a:p>
             <a:fld id="{80FF1464-75BB-4125-B2AF-EE9611B5FB25}" type="datetimeFigureOut">
               <a:rPr lang="en-US" smtClean="0"/>
-              <a:t>1/23/2017</a:t>
+              <a:t>5/22/2017</a:t>
             </a:fld>
             <a:endParaRPr lang="en-US"/>
           </a:p>
@@ -2030,7 +2030,7 @@
           <a:p>
             <a:fld id="{80FF1464-75BB-4125-B2AF-EE9611B5FB25}" type="datetimeFigureOut">
               <a:rPr lang="en-US" smtClean="0"/>
-              <a:t>1/23/2017</a:t>
+              <a:t>5/22/2017</a:t>
             </a:fld>
             <a:endParaRPr lang="en-US"/>
           </a:p>
@@ -2120,7 +2120,7 @@
           <a:p>
             <a:fld id="{80FF1464-75BB-4125-B2AF-EE9611B5FB25}" type="datetimeFigureOut">
               <a:rPr lang="en-US" smtClean="0"/>
-              <a:t>1/23/2017</a:t>
+              <a:t>5/22/2017</a:t>
             </a:fld>
             <a:endParaRPr lang="en-US"/>
           </a:p>
@@ -2394,7 +2394,7 @@
           <a:p>
             <a:fld id="{80FF1464-75BB-4125-B2AF-EE9611B5FB25}" type="datetimeFigureOut">
               <a:rPr lang="en-US" smtClean="0"/>
-              <a:t>1/23/2017</a:t>
+              <a:t>5/22/2017</a:t>
             </a:fld>
             <a:endParaRPr lang="en-US"/>
           </a:p>
@@ -2699,7 +2699,7 @@
           <a:p>
             <a:fld id="{80FF1464-75BB-4125-B2AF-EE9611B5FB25}" type="datetimeFigureOut">
               <a:rPr lang="en-US" smtClean="0"/>
-              <a:t>1/23/2017</a:t>
+              <a:t>5/22/2017</a:t>
             </a:fld>
             <a:endParaRPr lang="en-US"/>
           </a:p>
@@ -2997,7 +2997,7 @@
           <a:p>
             <a:fld id="{80FF1464-75BB-4125-B2AF-EE9611B5FB25}" type="datetimeFigureOut">
               <a:rPr lang="en-US" smtClean="0"/>
-              <a:t>1/23/2017</a:t>
+              <a:t>5/22/2017</a:t>
             </a:fld>
             <a:endParaRPr lang="en-US"/>
           </a:p>
@@ -7504,51 +7504,27 @@
           <a:p>
             <a:r>
               <a:rPr lang="en-US" dirty="0" err="1" smtClean="0"/>
-              <a:t>Abrir</a:t>
-            </a:r>
-            <a:r>
-              <a:rPr lang="en-US" dirty="0" smtClean="0"/>
-              <a:t> </a:t>
-            </a:r>
-            <a:r>
-              <a:rPr lang="en-US" dirty="0" err="1" smtClean="0"/>
-              <a:t>cuentas</a:t>
-            </a:r>
-            <a:r>
-              <a:rPr lang="en-US" dirty="0" smtClean="0"/>
-              <a:t> en </a:t>
-            </a:r>
-            <a:r>
-              <a:rPr lang="en-US" dirty="0" err="1" smtClean="0"/>
-              <a:t>github</a:t>
+              <a:t>Aclarar</a:t>
+            </a:r>
+            <a:r>
+              <a:rPr lang="en-US" dirty="0" smtClean="0"/>
+              <a:t> </a:t>
+            </a:r>
+            <a:r>
+              <a:rPr lang="en-US" dirty="0" err="1" smtClean="0"/>
+              <a:t>dudas</a:t>
             </a:r>
             <a:endParaRPr lang="en-US" dirty="0" smtClean="0"/>
           </a:p>
           <a:p>
             <a:r>
               <a:rPr lang="en-US" dirty="0" err="1" smtClean="0"/>
-              <a:t>Aclarar</a:t>
-            </a:r>
-            <a:r>
-              <a:rPr lang="en-US" dirty="0" smtClean="0"/>
-              <a:t> </a:t>
-            </a:r>
-            <a:r>
-              <a:rPr lang="en-US" dirty="0" err="1" smtClean="0"/>
-              <a:t>dudas</a:t>
-            </a:r>
-            <a:endParaRPr lang="en-US" dirty="0" smtClean="0"/>
-          </a:p>
-          <a:p>
-            <a:r>
-              <a:rPr lang="en-US" dirty="0" err="1" smtClean="0"/>
               <a:t>Elementos</a:t>
             </a:r>
             <a:r>
               <a:rPr lang="en-US" dirty="0" smtClean="0"/>
               <a:t> &lt;a&gt;</a:t>
             </a:r>
-            <a:endParaRPr lang="en-US" dirty="0" smtClean="0"/>
           </a:p>
           <a:p>
             <a:r>
